--- a/联邦蒸馏学习小文章项目-相关ppt+文章+论文源代码/参考文献+联邦+蒸馏学习+icassp+光刻热点参考文献+相关资料ppt/2024-07-31 联邦蒸馏学习-基于卷积.pptx
+++ b/联邦蒸馏学习小文章项目-相关ppt+文章+论文源代码/参考文献+联邦+蒸馏学习+icassp+光刻热点参考文献+相关资料ppt/2024-07-31 联邦蒸馏学习-基于卷积.pptx
@@ -8,7 +8,7 @@
     <p:notesMasterId r:id="rId4"/>
   </p:notesMasterIdLst>
   <p:handoutMasterIdLst>
-    <p:handoutMasterId r:id="rId21"/>
+    <p:handoutMasterId r:id="rId18"/>
   </p:handoutMasterIdLst>
   <p:sldIdLst>
     <p:sldId id="2295" r:id="rId3"/>
@@ -25,14 +25,11 @@
     <p:sldId id="2351" r:id="rId15"/>
     <p:sldId id="2306" r:id="rId16"/>
     <p:sldId id="2340" r:id="rId17"/>
-    <p:sldId id="2350" r:id="rId18"/>
-    <p:sldId id="2326" r:id="rId19"/>
-    <p:sldId id="2332" r:id="rId20"/>
   </p:sldIdLst>
   <p:sldSz cx="9144000" cy="6858000" type="screen4x3"/>
   <p:notesSz cx="7099300" cy="10234295"/>
   <p:custDataLst>
-    <p:tags r:id="rId26"/>
+    <p:tags r:id="rId23"/>
   </p:custDataLst>
   <p:defaultTextStyle>
     <a:defPPr>
@@ -178,9 +175,6 @@
             <p14:sldId id="2351"/>
             <p14:sldId id="2306"/>
             <p14:sldId id="2340"/>
-            <p14:sldId id="2350"/>
-            <p14:sldId id="2326"/>
-            <p14:sldId id="2332"/>
           </p14:sldIdLst>
         </p14:section>
       </p14:sectionLst>
@@ -205,8 +199,8 @@
 
 <file path=ppt/commentAuthors.xml><?xml version="1.0" encoding="utf-8"?>
 <p:cmAuthorLst xmlns:a="http://schemas.openxmlformats.org/drawingml/2006/main" xmlns:r="http://schemas.openxmlformats.org/officeDocument/2006/relationships" xmlns:p="http://schemas.openxmlformats.org/presentationml/2006/main">
+  <p:cmAuthor id="0" name="wangchangangel" initials="" lastIdx="1" clrIdx="0"/>
   <p:cmAuthor id="1" name="meng wenchao" initials="mw" lastIdx="2" clrIdx="0"/>
-  <p:cmAuthor id="0" name="wangchangangel" initials="" lastIdx="1" clrIdx="0"/>
 </p:cmAuthorLst>
 </file>
 
@@ -1474,992 +1468,6 @@
 </p:notes>
 </file>
 
-<file path=ppt/notesSlides/notesSlide13.xml><?xml version="1.0" encoding="utf-8"?>
-<p:notes xmlns:a="http://schemas.openxmlformats.org/drawingml/2006/main" xmlns:r="http://schemas.openxmlformats.org/officeDocument/2006/relationships" xmlns:p="http://schemas.openxmlformats.org/presentationml/2006/main">
-  <p:cSld>
-    <p:spTree>
-      <p:nvGrpSpPr>
-        <p:cNvPr id="1" name=""/>
-        <p:cNvGrpSpPr/>
-        <p:nvPr/>
-      </p:nvGrpSpPr>
-      <p:grpSpPr>
-        <a:xfrm>
-          <a:off x="0" y="0"/>
-          <a:ext cx="0" cy="0"/>
-          <a:chOff x="0" y="0"/>
-          <a:chExt cx="0" cy="0"/>
-        </a:xfrm>
-      </p:grpSpPr>
-      <p:sp>
-        <p:nvSpPr>
-          <p:cNvPr id="2" name="幻灯片图像占位符 1"/>
-          <p:cNvSpPr>
-            <a:spLocks noGrp="1" noRot="1" noChangeAspect="1"/>
-          </p:cNvSpPr>
-          <p:nvPr>
-            <p:ph type="sldImg"/>
-          </p:nvPr>
-        </p:nvSpPr>
-        <p:spPr/>
-      </p:sp>
-      <p:sp>
-        <p:nvSpPr>
-          <p:cNvPr id="3" name="备注占位符 2"/>
-          <p:cNvSpPr>
-            <a:spLocks noGrp="1"/>
-          </p:cNvSpPr>
-          <p:nvPr>
-            <p:ph type="body" idx="1"/>
-          </p:nvPr>
-        </p:nvSpPr>
-        <p:spPr/>
-        <p:txBody>
-          <a:bodyPr/>
-          <a:lstStyle/>
-          <a:p>
-            <a:pPr marL="0" marR="0" lvl="0" indent="0" algn="just" defTabSz="914400" rtl="0" eaLnBrk="0" fontAlgn="base" latinLnBrk="0" hangingPunct="0">
-              <a:lnSpc>
-                <a:spcPct val="150000"/>
-              </a:lnSpc>
-              <a:spcBef>
-                <a:spcPct val="30000"/>
-              </a:spcBef>
-              <a:spcAft>
-                <a:spcPct val="0"/>
-              </a:spcAft>
-              <a:buClrTx/>
-              <a:buSzTx/>
-              <a:buFont typeface="+mj-lt"/>
-              <a:buNone/>
-              <a:defRPr/>
-            </a:pPr>
-            <a:r>
-              <a:rPr lang="zh-CN" altLang="zh-CN" sz="1800" b="1" kern="1200" dirty="0">
-                <a:solidFill>
-                  <a:srgbClr val="000000"/>
-                </a:solidFill>
-                <a:effectLst/>
-                <a:latin typeface="宋体" panose="02010600030101010101" pitchFamily="2" charset="-122"/>
-                <a:ea typeface="宋体" panose="02010600030101010101" pitchFamily="2" charset="-122"/>
-                <a:cs typeface="Times New Roman" panose="02020603050405020304" pitchFamily="18" charset="0"/>
-              </a:rPr>
-              <a:t>第三点是联邦学习架构下的隐私保护问题</a:t>
-            </a:r>
-            <a:r>
-              <a:rPr lang="zh-CN" altLang="zh-CN" sz="1800" kern="1200" dirty="0">
-                <a:solidFill>
-                  <a:srgbClr val="000000"/>
-                </a:solidFill>
-                <a:effectLst/>
-                <a:latin typeface="宋体" panose="02010600030101010101" pitchFamily="2" charset="-122"/>
-                <a:ea typeface="宋体" panose="02010600030101010101" pitchFamily="2" charset="-122"/>
-                <a:cs typeface="Times New Roman" panose="02020603050405020304" pitchFamily="18" charset="0"/>
-              </a:rPr>
-              <a:t>。目前已经有相关研究人员研究了来自梯度的泄露（也就是</a:t>
-            </a:r>
-            <a:r>
-              <a:rPr lang="en-US" altLang="zh-CN" sz="1800" kern="1200" dirty="0">
-                <a:solidFill>
-                  <a:srgbClr val="000000"/>
-                </a:solidFill>
-                <a:effectLst/>
-                <a:latin typeface="宋体" panose="02010600030101010101" pitchFamily="2" charset="-122"/>
-                <a:ea typeface="宋体" panose="02010600030101010101" pitchFamily="2" charset="-122"/>
-                <a:cs typeface="Times New Roman" panose="02020603050405020304" pitchFamily="18" charset="0"/>
-              </a:rPr>
-              <a:t>DLG</a:t>
-            </a:r>
-            <a:r>
-              <a:rPr lang="zh-CN" altLang="zh-CN" sz="1800" kern="1200" dirty="0">
-                <a:solidFill>
-                  <a:srgbClr val="000000"/>
-                </a:solidFill>
-                <a:effectLst/>
-                <a:latin typeface="宋体" panose="02010600030101010101" pitchFamily="2" charset="-122"/>
-                <a:ea typeface="宋体" panose="02010600030101010101" pitchFamily="2" charset="-122"/>
-                <a:cs typeface="Times New Roman" panose="02020603050405020304" pitchFamily="18" charset="0"/>
-              </a:rPr>
-              <a:t>攻击）。它的具体表现在</a:t>
-            </a:r>
-            <a:endParaRPr lang="zh-CN" altLang="zh-CN" sz="1800" dirty="0">
-              <a:effectLst/>
-              <a:latin typeface="宋体" panose="02010600030101010101" pitchFamily="2" charset="-122"/>
-              <a:ea typeface="宋体" panose="02010600030101010101" pitchFamily="2" charset="-122"/>
-              <a:cs typeface="宋体" panose="02010600030101010101" pitchFamily="2" charset="-122"/>
-            </a:endParaRPr>
-          </a:p>
-          <a:p>
-            <a:pPr marL="0" lvl="0" indent="0" algn="just">
-              <a:lnSpc>
-                <a:spcPct val="150000"/>
-              </a:lnSpc>
-              <a:buFont typeface="+mj-lt"/>
-              <a:buNone/>
-            </a:pPr>
-            <a:endParaRPr lang="zh-CN" altLang="zh-CN" sz="1800" kern="100" dirty="0">
-              <a:effectLst/>
-              <a:latin typeface="Times New Roman" panose="02020603050405020304" pitchFamily="18" charset="0"/>
-              <a:ea typeface="仿宋" panose="02010609060101010101" pitchFamily="49" charset="-122"/>
-              <a:cs typeface="Times New Roman" panose="02020603050405020304" pitchFamily="18" charset="0"/>
-            </a:endParaRPr>
-          </a:p>
-        </p:txBody>
-      </p:sp>
-      <p:sp>
-        <p:nvSpPr>
-          <p:cNvPr id="4" name="灯片编号占位符 3"/>
-          <p:cNvSpPr>
-            <a:spLocks noGrp="1"/>
-          </p:cNvSpPr>
-          <p:nvPr>
-            <p:ph type="sldNum" sz="quarter" idx="10"/>
-          </p:nvPr>
-        </p:nvSpPr>
-        <p:spPr/>
-        <p:txBody>
-          <a:bodyPr/>
-          <a:lstStyle/>
-          <a:p>
-            <a:pPr>
-              <a:defRPr/>
-            </a:pPr>
-            <a:fld id="{5F948D12-5B45-471A-8A76-A34678A31677}" type="slidenum">
-              <a:rPr lang="zh-CN" altLang="en-US" smtClean="0"/>
-            </a:fld>
-            <a:endParaRPr lang="en-US" altLang="zh-CN"/>
-          </a:p>
-        </p:txBody>
-      </p:sp>
-    </p:spTree>
-  </p:cSld>
-  <p:clrMapOvr>
-    <a:masterClrMapping/>
-  </p:clrMapOvr>
-</p:notes>
-</file>
-
-<file path=ppt/notesSlides/notesSlide14.xml><?xml version="1.0" encoding="utf-8"?>
-<p:notes xmlns:a="http://schemas.openxmlformats.org/drawingml/2006/main" xmlns:r="http://schemas.openxmlformats.org/officeDocument/2006/relationships" xmlns:p="http://schemas.openxmlformats.org/presentationml/2006/main">
-  <p:cSld>
-    <p:spTree>
-      <p:nvGrpSpPr>
-        <p:cNvPr id="1" name=""/>
-        <p:cNvGrpSpPr/>
-        <p:nvPr/>
-      </p:nvGrpSpPr>
-      <p:grpSpPr>
-        <a:xfrm>
-          <a:off x="0" y="0"/>
-          <a:ext cx="0" cy="0"/>
-          <a:chOff x="0" y="0"/>
-          <a:chExt cx="0" cy="0"/>
-        </a:xfrm>
-      </p:grpSpPr>
-      <p:sp>
-        <p:nvSpPr>
-          <p:cNvPr id="2" name="幻灯片图像占位符 1"/>
-          <p:cNvSpPr>
-            <a:spLocks noGrp="1" noRot="1" noChangeAspect="1"/>
-          </p:cNvSpPr>
-          <p:nvPr>
-            <p:ph type="sldImg"/>
-          </p:nvPr>
-        </p:nvSpPr>
-        <p:spPr/>
-      </p:sp>
-      <mc:AlternateContent xmlns:mc="http://schemas.openxmlformats.org/markup-compatibility/2006">
-        <mc:Choice xmlns:a14="http://schemas.microsoft.com/office/drawing/2010/main" Requires="a14">
-          <p:sp>
-            <p:nvSpPr>
-              <p:cNvPr id="3" name="备注占位符 2"/>
-              <p:cNvSpPr>
-                <a:spLocks noGrp="1"/>
-              </p:cNvSpPr>
-              <p:nvPr>
-                <p:ph type="body" idx="1"/>
-              </p:nvPr>
-            </p:nvSpPr>
-            <p:spPr/>
-            <p:txBody>
-              <a:bodyPr/>
-              <a:lstStyle/>
-              <a:p>
-                <a:pPr indent="457200" algn="just" defTabSz="685800" eaLnBrk="1"/>
-                <a:r>
-                  <a:rPr lang="zh-CN" altLang="en-US" sz="2800" dirty="0">
-                    <a:solidFill>
-                      <a:schemeClr val="tx1">
-                        <a:lumMod val="75000"/>
-                        <a:lumOff val="25000"/>
-                      </a:schemeClr>
-                    </a:solidFill>
-                    <a:latin typeface="微软雅黑" panose="020B0503020204020204" pitchFamily="34" charset="-122"/>
-                    <a:ea typeface="微软雅黑" panose="020B0503020204020204" pitchFamily="34" charset="-122"/>
-                  </a:rPr>
-                  <a:t>接下来我阐述一下</a:t>
-                </a:r>
-                <a:r>
-                  <a:rPr lang="en-US" altLang="zh-CN" sz="2800" dirty="0">
-                    <a:solidFill>
-                      <a:schemeClr val="tx1">
-                        <a:lumMod val="75000"/>
-                        <a:lumOff val="25000"/>
-                      </a:schemeClr>
-                    </a:solidFill>
-                    <a:latin typeface="微软雅黑" panose="020B0503020204020204" pitchFamily="34" charset="-122"/>
-                    <a:ea typeface="微软雅黑" panose="020B0503020204020204" pitchFamily="34" charset="-122"/>
-                  </a:rPr>
-                  <a:t>DLG</a:t>
-                </a:r>
-                <a:r>
-                  <a:rPr lang="zh-CN" altLang="en-US" sz="2800" dirty="0">
-                    <a:solidFill>
-                      <a:schemeClr val="tx1">
-                        <a:lumMod val="75000"/>
-                        <a:lumOff val="25000"/>
-                      </a:schemeClr>
-                    </a:solidFill>
-                    <a:latin typeface="微软雅黑" panose="020B0503020204020204" pitchFamily="34" charset="-122"/>
-                    <a:ea typeface="微软雅黑" panose="020B0503020204020204" pitchFamily="34" charset="-122"/>
-                  </a:rPr>
-                  <a:t>攻击的原理，他是通过最小化梯度追踪误差来实现攻击的，</a:t>
-                </a:r>
-                <a:endParaRPr lang="zh-CN" altLang="en-US" sz="2800" dirty="0">
-                  <a:solidFill>
-                    <a:schemeClr val="tx1">
-                      <a:lumMod val="75000"/>
-                      <a:lumOff val="25000"/>
-                    </a:schemeClr>
-                  </a:solidFill>
-                  <a:latin typeface="微软雅黑" panose="020B0503020204020204" pitchFamily="34" charset="-122"/>
-                  <a:ea typeface="微软雅黑" panose="020B0503020204020204" pitchFamily="34" charset="-122"/>
-                </a:endParaRPr>
-              </a:p>
-              <a:p>
-                <a:pPr indent="457200" algn="just" defTabSz="685800" eaLnBrk="1"/>
-                <a:r>
-                  <a:rPr lang="zh-CN" altLang="en-US" sz="2800" dirty="0">
-                    <a:solidFill>
-                      <a:schemeClr val="tx1">
-                        <a:lumMod val="75000"/>
-                        <a:lumOff val="25000"/>
-                      </a:schemeClr>
-                    </a:solidFill>
-                    <a:latin typeface="微软雅黑" panose="020B0503020204020204" pitchFamily="34" charset="-122"/>
-                    <a:ea typeface="微软雅黑" panose="020B0503020204020204" pitchFamily="34" charset="-122"/>
-                  </a:rPr>
-                  <a:t>其中，</a:t>
-                </a:r>
-                <a14:m>
-                  <m:oMath xmlns:m="http://schemas.openxmlformats.org/officeDocument/2006/math">
-                    <m:sSup>
-                      <m:sSupPr>
-                        <m:ctrlPr>
-                          <a:rPr lang="zh-CN" altLang="zh-CN" sz="2800" i="1">
-                            <a:latin typeface="Cambria Math" panose="02040503050406030204" pitchFamily="18" charset="0"/>
-                          </a:rPr>
-                        </m:ctrlPr>
-                      </m:sSupPr>
-                      <m:e>
-                        <m:r>
-                          <a:rPr lang="en-US" altLang="zh-CN" sz="2800" i="1">
-                            <a:latin typeface="Cambria Math" panose="02040503050406030204" pitchFamily="18" charset="0"/>
-                          </a:rPr>
-                          <m:t>𝑥</m:t>
-                        </m:r>
-                      </m:e>
-                      <m:sup>
-                        <m:r>
-                          <a:rPr lang="en-US" altLang="zh-CN" sz="2800" i="1">
-                            <a:latin typeface="Cambria Math" panose="02040503050406030204" pitchFamily="18" charset="0"/>
-                          </a:rPr>
-                          <m:t>′</m:t>
-                        </m:r>
-                      </m:sup>
-                    </m:sSup>
-                  </m:oMath>
-                </a14:m>
-                <a:r>
-                  <a:rPr lang="zh-CN" altLang="en-US" sz="2800" dirty="0">
-                    <a:solidFill>
-                      <a:schemeClr val="tx1">
-                        <a:lumMod val="75000"/>
-                        <a:lumOff val="25000"/>
-                      </a:schemeClr>
-                    </a:solidFill>
-                    <a:latin typeface="微软雅黑" panose="020B0503020204020204" pitchFamily="34" charset="-122"/>
-                    <a:ea typeface="微软雅黑" panose="020B0503020204020204" pitchFamily="34" charset="-122"/>
-                  </a:rPr>
-                  <a:t>和</a:t>
-                </a:r>
-                <a14:m>
-                  <m:oMath xmlns:m="http://schemas.openxmlformats.org/officeDocument/2006/math">
-                    <m:sSup>
-                      <m:sSupPr>
-                        <m:ctrlPr>
-                          <a:rPr lang="zh-CN" altLang="zh-CN" sz="2800" i="1">
-                            <a:latin typeface="Cambria Math" panose="02040503050406030204" pitchFamily="18" charset="0"/>
-                          </a:rPr>
-                        </m:ctrlPr>
-                      </m:sSupPr>
-                      <m:e>
-                        <m:r>
-                          <a:rPr lang="en-US" altLang="zh-CN" sz="2800" i="1">
-                            <a:latin typeface="Cambria Math" panose="02040503050406030204" pitchFamily="18" charset="0"/>
-                          </a:rPr>
-                          <m:t>𝑦</m:t>
-                        </m:r>
-                      </m:e>
-                      <m:sup>
-                        <m:r>
-                          <a:rPr lang="en-US" altLang="zh-CN" sz="2800" i="1">
-                            <a:latin typeface="Cambria Math" panose="02040503050406030204" pitchFamily="18" charset="0"/>
-                          </a:rPr>
-                          <m:t>′</m:t>
-                        </m:r>
-                      </m:sup>
-                    </m:sSup>
-                  </m:oMath>
-                </a14:m>
-                <a:r>
-                  <a:rPr lang="zh-CN" altLang="en-US" sz="2800" dirty="0">
-                    <a:solidFill>
-                      <a:schemeClr val="tx1">
-                        <a:lumMod val="75000"/>
-                        <a:lumOff val="25000"/>
-                      </a:schemeClr>
-                    </a:solidFill>
-                    <a:latin typeface="微软雅黑" panose="020B0503020204020204" pitchFamily="34" charset="-122"/>
-                    <a:ea typeface="微软雅黑" panose="020B0503020204020204" pitchFamily="34" charset="-122"/>
-                  </a:rPr>
-                  <a:t>是一组虚拟输入数据和标签数据，攻击者将这些“虚拟数据”导入模型中，获得“虚拟梯度”</a:t>
-                </a:r>
-                <a14:m>
-                  <m:oMath xmlns:m="http://schemas.openxmlformats.org/officeDocument/2006/math">
-                    <m:r>
-                      <m:rPr>
-                        <m:sty m:val="p"/>
-                      </m:rPr>
-                      <a:rPr lang="en-US" altLang="zh-CN" sz="2800">
-                        <a:latin typeface="Cambria Math" panose="02040503050406030204" pitchFamily="18" charset="0"/>
-                      </a:rPr>
-                      <m:t>∇</m:t>
-                    </m:r>
-                    <m:sSup>
-                      <m:sSupPr>
-                        <m:ctrlPr>
-                          <a:rPr lang="zh-CN" altLang="zh-CN" sz="2800" i="1">
-                            <a:latin typeface="Cambria Math" panose="02040503050406030204" pitchFamily="18" charset="0"/>
-                          </a:rPr>
-                        </m:ctrlPr>
-                      </m:sSupPr>
-                      <m:e>
-                        <m:r>
-                          <a:rPr lang="en-US" altLang="zh-CN" sz="2800" i="1">
-                            <a:latin typeface="Cambria Math" panose="02040503050406030204" pitchFamily="18" charset="0"/>
-                          </a:rPr>
-                          <m:t>𝑊</m:t>
-                        </m:r>
-                      </m:e>
-                      <m:sup>
-                        <m:r>
-                          <a:rPr lang="en-US" altLang="zh-CN" sz="2800" i="1">
-                            <a:latin typeface="Cambria Math" panose="02040503050406030204" pitchFamily="18" charset="0"/>
-                          </a:rPr>
-                          <m:t>′</m:t>
-                        </m:r>
-                      </m:sup>
-                    </m:sSup>
-                  </m:oMath>
-                </a14:m>
-                <a:r>
-                  <a:rPr lang="zh-CN" altLang="en-US" sz="2800" dirty="0">
-                    <a:solidFill>
-                      <a:schemeClr val="tx1">
-                        <a:lumMod val="75000"/>
-                        <a:lumOff val="25000"/>
-                      </a:schemeClr>
-                    </a:solidFill>
-                    <a:latin typeface="微软雅黑" panose="020B0503020204020204" pitchFamily="34" charset="-122"/>
-                    <a:ea typeface="微软雅黑" panose="020B0503020204020204" pitchFamily="34" charset="-122"/>
-                  </a:rPr>
-                  <a:t>，</a:t>
-                </a:r>
-                <a14:m>
-                  <m:oMath xmlns:m="http://schemas.openxmlformats.org/officeDocument/2006/math">
-                    <m:r>
-                      <m:rPr>
-                        <m:sty m:val="p"/>
-                      </m:rPr>
-                      <a:rPr lang="en-US" altLang="zh-CN" sz="2800">
-                        <a:latin typeface="Cambria Math" panose="02040503050406030204" pitchFamily="18" charset="0"/>
-                      </a:rPr>
-                      <m:t>∇</m:t>
-                    </m:r>
-                    <m:r>
-                      <a:rPr lang="en-US" altLang="zh-CN" sz="2800" b="0" i="1" smtClean="0">
-                        <a:latin typeface="Cambria Math" panose="02040503050406030204" pitchFamily="18" charset="0"/>
-                      </a:rPr>
-                      <m:t>𝑊</m:t>
-                    </m:r>
-                  </m:oMath>
-                </a14:m>
-                <a:r>
-                  <a:rPr lang="en-US" altLang="zh-CN" sz="2800" dirty="0">
-                    <a:solidFill>
-                      <a:schemeClr val="tx1">
-                        <a:lumMod val="75000"/>
-                        <a:lumOff val="25000"/>
-                      </a:schemeClr>
-                    </a:solidFill>
-                    <a:latin typeface="微软雅黑" panose="020B0503020204020204" pitchFamily="34" charset="-122"/>
-                    <a:ea typeface="微软雅黑" panose="020B0503020204020204" pitchFamily="34" charset="-122"/>
-                  </a:rPr>
-                  <a:t>【</a:t>
-                </a:r>
-                <a:r>
-                  <a:rPr lang="zh-CN" altLang="en-US" sz="2800" dirty="0">
-                    <a:solidFill>
-                      <a:schemeClr val="tx1">
-                        <a:lumMod val="75000"/>
-                        <a:lumOff val="25000"/>
-                      </a:schemeClr>
-                    </a:solidFill>
-                    <a:latin typeface="微软雅黑" panose="020B0503020204020204" pitchFamily="34" charset="-122"/>
-                    <a:ea typeface="微软雅黑" panose="020B0503020204020204" pitchFamily="34" charset="-122"/>
-                  </a:rPr>
-                  <a:t>奈不拉</a:t>
-                </a:r>
-                <a:r>
-                  <a:rPr lang="en-US" altLang="zh-CN" sz="2800" dirty="0">
-                    <a:solidFill>
-                      <a:schemeClr val="tx1">
-                        <a:lumMod val="75000"/>
-                        <a:lumOff val="25000"/>
-                      </a:schemeClr>
-                    </a:solidFill>
-                    <a:latin typeface="微软雅黑" panose="020B0503020204020204" pitchFamily="34" charset="-122"/>
-                    <a:ea typeface="微软雅黑" panose="020B0503020204020204" pitchFamily="34" charset="-122"/>
-                  </a:rPr>
-                  <a:t>】</a:t>
-                </a:r>
-                <a:r>
-                  <a:rPr lang="zh-CN" altLang="en-US" sz="2800" dirty="0">
-                    <a:solidFill>
-                      <a:schemeClr val="tx1">
-                        <a:lumMod val="75000"/>
-                        <a:lumOff val="25000"/>
-                      </a:schemeClr>
-                    </a:solidFill>
-                    <a:latin typeface="微软雅黑" panose="020B0503020204020204" pitchFamily="34" charset="-122"/>
-                    <a:ea typeface="微软雅黑" panose="020B0503020204020204" pitchFamily="34" charset="-122"/>
-                  </a:rPr>
-                  <a:t>是攻击者邻居客户端的梯度，将虚拟梯度和真实梯度的差值来作为损失函数来更新</a:t>
-                </a:r>
-                <a14:m>
-                  <m:oMath xmlns:m="http://schemas.openxmlformats.org/officeDocument/2006/math">
-                    <m:sSup>
-                      <m:sSupPr>
-                        <m:ctrlPr>
-                          <a:rPr lang="zh-CN" altLang="zh-CN" sz="2800" i="1" smtClean="0">
-                            <a:latin typeface="Cambria Math" panose="02040503050406030204" pitchFamily="18" charset="0"/>
-                          </a:rPr>
-                        </m:ctrlPr>
-                      </m:sSupPr>
-                      <m:e>
-                        <m:r>
-                          <a:rPr lang="en-US" altLang="zh-CN" sz="2800" i="1">
-                            <a:latin typeface="Cambria Math" panose="02040503050406030204" pitchFamily="18" charset="0"/>
-                          </a:rPr>
-                          <m:t>𝑥</m:t>
-                        </m:r>
-                      </m:e>
-                      <m:sup>
-                        <m:r>
-                          <a:rPr lang="en-US" altLang="zh-CN" sz="2800" i="1">
-                            <a:latin typeface="Cambria Math" panose="02040503050406030204" pitchFamily="18" charset="0"/>
-                          </a:rPr>
-                          <m:t>′</m:t>
-                        </m:r>
-                      </m:sup>
-                    </m:sSup>
-                  </m:oMath>
-                </a14:m>
-                <a:r>
-                  <a:rPr lang="zh-CN" altLang="en-US" sz="2800" dirty="0">
-                    <a:solidFill>
-                      <a:schemeClr val="tx1">
-                        <a:lumMod val="75000"/>
-                        <a:lumOff val="25000"/>
-                      </a:schemeClr>
-                    </a:solidFill>
-                    <a:latin typeface="微软雅黑" panose="020B0503020204020204" pitchFamily="34" charset="-122"/>
-                    <a:ea typeface="微软雅黑" panose="020B0503020204020204" pitchFamily="34" charset="-122"/>
-                  </a:rPr>
-                  <a:t>和</a:t>
-                </a:r>
-                <a14:m>
-                  <m:oMath xmlns:m="http://schemas.openxmlformats.org/officeDocument/2006/math">
-                    <m:sSup>
-                      <m:sSupPr>
-                        <m:ctrlPr>
-                          <a:rPr lang="zh-CN" altLang="zh-CN" sz="2800" i="1">
-                            <a:latin typeface="Cambria Math" panose="02040503050406030204" pitchFamily="18" charset="0"/>
-                          </a:rPr>
-                        </m:ctrlPr>
-                      </m:sSupPr>
-                      <m:e>
-                        <m:r>
-                          <a:rPr lang="en-US" altLang="zh-CN" sz="2800" i="1">
-                            <a:latin typeface="Cambria Math" panose="02040503050406030204" pitchFamily="18" charset="0"/>
-                          </a:rPr>
-                          <m:t>𝑦</m:t>
-                        </m:r>
-                      </m:e>
-                      <m:sup>
-                        <m:r>
-                          <a:rPr lang="en-US" altLang="zh-CN" sz="2800" i="1">
-                            <a:latin typeface="Cambria Math" panose="02040503050406030204" pitchFamily="18" charset="0"/>
-                          </a:rPr>
-                          <m:t>′</m:t>
-                        </m:r>
-                      </m:sup>
-                    </m:sSup>
-                  </m:oMath>
-                </a14:m>
-                <a:r>
-                  <a:rPr lang="zh-CN" altLang="en-US" sz="2800" dirty="0">
-                    <a:solidFill>
-                      <a:schemeClr val="tx1">
-                        <a:lumMod val="75000"/>
-                        <a:lumOff val="25000"/>
-                      </a:schemeClr>
-                    </a:solidFill>
-                    <a:latin typeface="微软雅黑" panose="020B0503020204020204" pitchFamily="34" charset="-122"/>
-                    <a:ea typeface="微软雅黑" panose="020B0503020204020204" pitchFamily="34" charset="-122"/>
-                  </a:rPr>
-                  <a:t>，可以使得虚拟数据接近实际训练数据。</a:t>
-                </a:r>
-                <a:endParaRPr lang="en-US" altLang="zh-CN" sz="2800" dirty="0">
-                  <a:solidFill>
-                    <a:schemeClr val="tx1">
-                      <a:lumMod val="75000"/>
-                      <a:lumOff val="25000"/>
-                    </a:schemeClr>
-                  </a:solidFill>
-                  <a:latin typeface="微软雅黑" panose="020B0503020204020204" pitchFamily="34" charset="-122"/>
-                  <a:ea typeface="微软雅黑" panose="020B0503020204020204" pitchFamily="34" charset="-122"/>
-                </a:endParaRPr>
-              </a:p>
-              <a:p>
-                <a:pPr indent="457200" algn="just" defTabSz="685800" eaLnBrk="1"/>
-                <a:endParaRPr lang="en-US" altLang="zh-CN" sz="2800" dirty="0">
-                  <a:solidFill>
-                    <a:schemeClr val="tx1">
-                      <a:lumMod val="75000"/>
-                      <a:lumOff val="25000"/>
-                    </a:schemeClr>
-                  </a:solidFill>
-                  <a:latin typeface="微软雅黑" panose="020B0503020204020204" pitchFamily="34" charset="-122"/>
-                  <a:ea typeface="微软雅黑" panose="020B0503020204020204" pitchFamily="34" charset="-122"/>
-                </a:endParaRPr>
-              </a:p>
-            </p:txBody>
-          </p:sp>
-        </mc:Choice>
-        <mc:Fallback>
-          <p:sp>
-            <p:nvSpPr>
-              <p:cNvPr id="3" name="备注占位符 2"/>
-              <p:cNvSpPr>
-                <a:spLocks noRot="1" noChangeAspect="1" noMove="1" noResize="1" noEditPoints="1" noAdjustHandles="1" noChangeArrowheads="1" noChangeShapeType="1" noTextEdit="1"/>
-              </p:cNvSpPr>
-              <p:nvPr>
-                <p:ph type="body" idx="1"/>
-              </p:nvPr>
-            </p:nvSpPr>
-            <p:spPr>
-              <a:blipFill rotWithShape="1">
-                <a:blip r:embed="rId3"/>
-                <a:stretch>
-                  <a:fillRect l="-1" t="-2" r="10" b="-17745"/>
-                </a:stretch>
-              </a:blipFill>
-            </p:spPr>
-            <p:txBody>
-              <a:bodyPr/>
-              <a:lstStyle/>
-              <a:p>
-                <a:r>
-                  <a:rPr lang="zh-CN" altLang="en-US">
-                    <a:noFill/>
-                  </a:rPr>
-                  <a:t> </a:t>
-                </a:r>
-              </a:p>
-            </p:txBody>
-          </p:sp>
-        </mc:Fallback>
-      </mc:AlternateContent>
-      <p:sp>
-        <p:nvSpPr>
-          <p:cNvPr id="4" name="灯片编号占位符 3"/>
-          <p:cNvSpPr>
-            <a:spLocks noGrp="1"/>
-          </p:cNvSpPr>
-          <p:nvPr>
-            <p:ph type="sldNum" sz="quarter" idx="5"/>
-          </p:nvPr>
-        </p:nvSpPr>
-        <p:spPr/>
-        <p:txBody>
-          <a:bodyPr/>
-          <a:lstStyle/>
-          <a:p>
-            <a:pPr>
-              <a:defRPr/>
-            </a:pPr>
-            <a:fld id="{5F948D12-5B45-471A-8A76-A34678A31677}" type="slidenum">
-              <a:rPr lang="zh-CN" altLang="en-US" smtClean="0"/>
-            </a:fld>
-            <a:endParaRPr lang="en-US" altLang="zh-CN"/>
-          </a:p>
-        </p:txBody>
-      </p:sp>
-    </p:spTree>
-  </p:cSld>
-  <p:clrMapOvr>
-    <a:masterClrMapping/>
-  </p:clrMapOvr>
-</p:notes>
-</file>
-
-<file path=ppt/notesSlides/notesSlide15.xml><?xml version="1.0" encoding="utf-8"?>
-<p:notes xmlns:a="http://schemas.openxmlformats.org/drawingml/2006/main" xmlns:r="http://schemas.openxmlformats.org/officeDocument/2006/relationships" xmlns:p="http://schemas.openxmlformats.org/presentationml/2006/main">
-  <p:cSld>
-    <p:spTree>
-      <p:nvGrpSpPr>
-        <p:cNvPr id="1" name=""/>
-        <p:cNvGrpSpPr/>
-        <p:nvPr/>
-      </p:nvGrpSpPr>
-      <p:grpSpPr>
-        <a:xfrm>
-          <a:off x="0" y="0"/>
-          <a:ext cx="0" cy="0"/>
-          <a:chOff x="0" y="0"/>
-          <a:chExt cx="0" cy="0"/>
-        </a:xfrm>
-      </p:grpSpPr>
-      <p:sp>
-        <p:nvSpPr>
-          <p:cNvPr id="2" name="幻灯片图像占位符 1"/>
-          <p:cNvSpPr>
-            <a:spLocks noGrp="1" noRot="1" noChangeAspect="1"/>
-          </p:cNvSpPr>
-          <p:nvPr>
-            <p:ph type="sldImg"/>
-          </p:nvPr>
-        </p:nvSpPr>
-        <p:spPr/>
-      </p:sp>
-      <p:sp>
-        <p:nvSpPr>
-          <p:cNvPr id="3" name="备注占位符 2"/>
-          <p:cNvSpPr>
-            <a:spLocks noGrp="1"/>
-          </p:cNvSpPr>
-          <p:nvPr>
-            <p:ph type="body" idx="1"/>
-          </p:nvPr>
-        </p:nvSpPr>
-        <p:spPr/>
-        <p:txBody>
-          <a:bodyPr/>
-          <a:lstStyle/>
-          <a:p>
-            <a:pPr marL="0" marR="0" lvl="0" indent="0" algn="l" defTabSz="914400" rtl="0" eaLnBrk="0" fontAlgn="base" latinLnBrk="0" hangingPunct="0">
-              <a:lnSpc>
-                <a:spcPct val="100000"/>
-              </a:lnSpc>
-              <a:spcBef>
-                <a:spcPct val="30000"/>
-              </a:spcBef>
-              <a:spcAft>
-                <a:spcPct val="0"/>
-              </a:spcAft>
-              <a:buClrTx/>
-              <a:buSzTx/>
-              <a:buFontTx/>
-              <a:buNone/>
-              <a:defRPr/>
-            </a:pPr>
-            <a:r>
-              <a:rPr lang="zh-CN" altLang="en-US" sz="1200" b="1" kern="1200" dirty="0">
-                <a:solidFill>
-                  <a:srgbClr val="000000"/>
-                </a:solidFill>
-                <a:effectLst/>
-                <a:latin typeface="宋体" panose="02010600030101010101" pitchFamily="2" charset="-122"/>
-                <a:ea typeface="宋体" panose="02010600030101010101" pitchFamily="2" charset="-122"/>
-                <a:cs typeface="Times New Roman" panose="02020603050405020304" pitchFamily="18" charset="0"/>
-              </a:rPr>
-              <a:t>在研究内容三，我们</a:t>
-            </a:r>
-            <a:r>
-              <a:rPr lang="zh-CN" altLang="zh-CN" sz="1200" b="1" kern="1200" dirty="0">
-                <a:solidFill>
-                  <a:srgbClr val="000000"/>
-                </a:solidFill>
-                <a:effectLst/>
-                <a:latin typeface="宋体" panose="02010600030101010101" pitchFamily="2" charset="-122"/>
-                <a:ea typeface="宋体" panose="02010600030101010101" pitchFamily="2" charset="-122"/>
-                <a:cs typeface="Times New Roman" panose="02020603050405020304" pitchFamily="18" charset="0"/>
-              </a:rPr>
-              <a:t>针对联邦学习架构下的隐私保护问题，</a:t>
-            </a:r>
-            <a:r>
-              <a:rPr lang="zh-CN" altLang="zh-CN" sz="1200" kern="1200" dirty="0">
-                <a:solidFill>
-                  <a:srgbClr val="000000"/>
-                </a:solidFill>
-                <a:effectLst/>
-                <a:latin typeface="宋体" panose="02010600030101010101" pitchFamily="2" charset="-122"/>
-                <a:ea typeface="宋体" panose="02010600030101010101" pitchFamily="2" charset="-122"/>
-                <a:cs typeface="Times New Roman" panose="02020603050405020304" pitchFamily="18" charset="0"/>
-              </a:rPr>
-              <a:t>提出了差分隐私和</a:t>
-            </a:r>
-            <a:r>
-              <a:rPr lang="zh-CN" altLang="en-US" sz="1200" kern="1200" dirty="0">
-                <a:solidFill>
-                  <a:srgbClr val="000000"/>
-                </a:solidFill>
-                <a:effectLst/>
-                <a:latin typeface="宋体" panose="02010600030101010101" pitchFamily="2" charset="-122"/>
-                <a:ea typeface="宋体" panose="02010600030101010101" pitchFamily="2" charset="-122"/>
-                <a:cs typeface="Times New Roman" panose="02020603050405020304" pitchFamily="18" charset="0"/>
-              </a:rPr>
-              <a:t>安全多方计算</a:t>
-            </a:r>
-            <a:r>
-              <a:rPr lang="en-US" altLang="zh-CN" sz="1200" kern="1200" dirty="0">
-                <a:solidFill>
-                  <a:srgbClr val="000000"/>
-                </a:solidFill>
-                <a:effectLst/>
-                <a:latin typeface="宋体" panose="02010600030101010101" pitchFamily="2" charset="-122"/>
-                <a:ea typeface="宋体" panose="02010600030101010101" pitchFamily="2" charset="-122"/>
-                <a:cs typeface="Times New Roman" panose="02020603050405020304" pitchFamily="18" charset="0"/>
-              </a:rPr>
-              <a:t>2</a:t>
-            </a:r>
-            <a:r>
-              <a:rPr lang="zh-CN" altLang="zh-CN" sz="1200" kern="1200" dirty="0">
-                <a:solidFill>
-                  <a:srgbClr val="000000"/>
-                </a:solidFill>
-                <a:effectLst/>
-                <a:latin typeface="宋体" panose="02010600030101010101" pitchFamily="2" charset="-122"/>
-                <a:ea typeface="宋体" panose="02010600030101010101" pitchFamily="2" charset="-122"/>
-                <a:cs typeface="Times New Roman" panose="02020603050405020304" pitchFamily="18" charset="0"/>
-              </a:rPr>
-              <a:t>种解决方案，其中差分隐私</a:t>
-            </a:r>
-            <a:r>
-              <a:rPr lang="zh-CN" altLang="en-US" sz="1200" kern="1200" dirty="0">
-                <a:solidFill>
-                  <a:srgbClr val="000000"/>
-                </a:solidFill>
-                <a:effectLst/>
-                <a:latin typeface="宋体" panose="02010600030101010101" pitchFamily="2" charset="-122"/>
-                <a:ea typeface="宋体" panose="02010600030101010101" pitchFamily="2" charset="-122"/>
-                <a:cs typeface="Times New Roman" panose="02020603050405020304" pitchFamily="18" charset="0"/>
-              </a:rPr>
-              <a:t>通过</a:t>
-            </a:r>
-            <a:r>
-              <a:rPr lang="zh-CN" altLang="zh-CN" sz="1200" kern="1200" dirty="0">
-                <a:solidFill>
-                  <a:srgbClr val="000000"/>
-                </a:solidFill>
-                <a:effectLst/>
-                <a:latin typeface="宋体" panose="02010600030101010101" pitchFamily="2" charset="-122"/>
-                <a:ea typeface="宋体" panose="02010600030101010101" pitchFamily="2" charset="-122"/>
-                <a:cs typeface="Times New Roman" panose="02020603050405020304" pitchFamily="18" charset="0"/>
-              </a:rPr>
-              <a:t>添加噪声</a:t>
-            </a:r>
-            <a:r>
-              <a:rPr lang="zh-CN" altLang="en-US" sz="1200" kern="1200" dirty="0">
-                <a:solidFill>
-                  <a:srgbClr val="000000"/>
-                </a:solidFill>
-                <a:effectLst/>
-                <a:latin typeface="宋体" panose="02010600030101010101" pitchFamily="2" charset="-122"/>
-                <a:ea typeface="宋体" panose="02010600030101010101" pitchFamily="2" charset="-122"/>
-                <a:cs typeface="Times New Roman" panose="02020603050405020304" pitchFamily="18" charset="0"/>
-              </a:rPr>
-              <a:t>来保护隐私</a:t>
-            </a:r>
-            <a:r>
-              <a:rPr lang="zh-CN" altLang="zh-CN" sz="1200" kern="1200" dirty="0">
-                <a:solidFill>
-                  <a:srgbClr val="000000"/>
-                </a:solidFill>
-                <a:effectLst/>
-                <a:latin typeface="宋体" panose="02010600030101010101" pitchFamily="2" charset="-122"/>
-                <a:ea typeface="宋体" panose="02010600030101010101" pitchFamily="2" charset="-122"/>
-                <a:cs typeface="Times New Roman" panose="02020603050405020304" pitchFamily="18" charset="0"/>
-              </a:rPr>
-              <a:t>、</a:t>
-            </a:r>
-            <a:r>
-              <a:rPr lang="zh-CN" altLang="en-US" sz="1200" kern="1200" dirty="0">
-                <a:solidFill>
-                  <a:srgbClr val="000000"/>
-                </a:solidFill>
-                <a:effectLst/>
-                <a:latin typeface="宋体" panose="02010600030101010101" pitchFamily="2" charset="-122"/>
-                <a:ea typeface="宋体" panose="02010600030101010101" pitchFamily="2" charset="-122"/>
-                <a:cs typeface="Times New Roman" panose="02020603050405020304" pitchFamily="18" charset="0"/>
-              </a:rPr>
-              <a:t>是</a:t>
-            </a:r>
-            <a:r>
-              <a:rPr lang="zh-CN" altLang="zh-CN" sz="1200" kern="1200" dirty="0">
-                <a:solidFill>
-                  <a:srgbClr val="000000"/>
-                </a:solidFill>
-                <a:effectLst/>
-                <a:latin typeface="宋体" panose="02010600030101010101" pitchFamily="2" charset="-122"/>
-                <a:ea typeface="宋体" panose="02010600030101010101" pitchFamily="2" charset="-122"/>
-                <a:cs typeface="Times New Roman" panose="02020603050405020304" pitchFamily="18" charset="0"/>
-              </a:rPr>
-              <a:t>隐私泄露</a:t>
-            </a:r>
-            <a:r>
-              <a:rPr lang="zh-CN" altLang="en-US" sz="1200" kern="1200" dirty="0">
-                <a:solidFill>
-                  <a:srgbClr val="000000"/>
-                </a:solidFill>
-                <a:effectLst/>
-                <a:latin typeface="宋体" panose="02010600030101010101" pitchFamily="2" charset="-122"/>
-                <a:ea typeface="宋体" panose="02010600030101010101" pitchFamily="2" charset="-122"/>
-                <a:cs typeface="Times New Roman" panose="02020603050405020304" pitchFamily="18" charset="0"/>
-              </a:rPr>
-              <a:t>与模型精度之间进行权衡</a:t>
-            </a:r>
-            <a:r>
-              <a:rPr lang="zh-CN" altLang="zh-CN" sz="1200" kern="1200" dirty="0">
-                <a:solidFill>
-                  <a:srgbClr val="000000"/>
-                </a:solidFill>
-                <a:effectLst/>
-                <a:latin typeface="宋体" panose="02010600030101010101" pitchFamily="2" charset="-122"/>
-                <a:ea typeface="宋体" panose="02010600030101010101" pitchFamily="2" charset="-122"/>
-                <a:cs typeface="Times New Roman" panose="02020603050405020304" pitchFamily="18" charset="0"/>
-              </a:rPr>
-              <a:t>，其中</a:t>
-            </a:r>
-            <a:r>
-              <a:rPr lang="zh-CN" altLang="en-US" sz="1200" kern="1200" dirty="0">
-                <a:solidFill>
-                  <a:srgbClr val="000000"/>
-                </a:solidFill>
-                <a:effectLst/>
-                <a:latin typeface="宋体" panose="02010600030101010101" pitchFamily="2" charset="-122"/>
-                <a:ea typeface="宋体" panose="02010600030101010101" pitchFamily="2" charset="-122"/>
-                <a:cs typeface="Times New Roman" panose="02020603050405020304" pitchFamily="18" charset="0"/>
-              </a:rPr>
-              <a:t>安全多方计算对模型参数做安全运算</a:t>
-            </a:r>
-            <a:r>
-              <a:rPr lang="zh-CN" altLang="zh-CN" sz="1200" kern="1200" dirty="0">
-                <a:solidFill>
-                  <a:srgbClr val="000000"/>
-                </a:solidFill>
-                <a:effectLst/>
-                <a:latin typeface="宋体" panose="02010600030101010101" pitchFamily="2" charset="-122"/>
-                <a:ea typeface="宋体" panose="02010600030101010101" pitchFamily="2" charset="-122"/>
-                <a:cs typeface="Times New Roman" panose="02020603050405020304" pitchFamily="18" charset="0"/>
-              </a:rPr>
-              <a:t>、</a:t>
-            </a:r>
-            <a:r>
-              <a:rPr lang="zh-CN" altLang="en-US" sz="1200" kern="1200" dirty="0">
-                <a:solidFill>
-                  <a:srgbClr val="000000"/>
-                </a:solidFill>
-                <a:effectLst/>
-                <a:latin typeface="宋体" panose="02010600030101010101" pitchFamily="2" charset="-122"/>
-                <a:ea typeface="宋体" panose="02010600030101010101" pitchFamily="2" charset="-122"/>
-                <a:cs typeface="Times New Roman" panose="02020603050405020304" pitchFamily="18" charset="0"/>
-              </a:rPr>
-              <a:t>是</a:t>
-            </a:r>
-            <a:r>
-              <a:rPr lang="zh-CN" altLang="zh-CN" sz="1200" kern="1200" dirty="0">
-                <a:solidFill>
-                  <a:srgbClr val="000000"/>
-                </a:solidFill>
-                <a:effectLst/>
-                <a:latin typeface="宋体" panose="02010600030101010101" pitchFamily="2" charset="-122"/>
-                <a:ea typeface="宋体" panose="02010600030101010101" pitchFamily="2" charset="-122"/>
-                <a:cs typeface="Times New Roman" panose="02020603050405020304" pitchFamily="18" charset="0"/>
-              </a:rPr>
-              <a:t>隐私泄露</a:t>
-            </a:r>
-            <a:r>
-              <a:rPr lang="zh-CN" altLang="en-US" sz="1200" kern="1200" dirty="0">
-                <a:solidFill>
-                  <a:srgbClr val="000000"/>
-                </a:solidFill>
-                <a:effectLst/>
-                <a:latin typeface="宋体" panose="02010600030101010101" pitchFamily="2" charset="-122"/>
-                <a:ea typeface="宋体" panose="02010600030101010101" pitchFamily="2" charset="-122"/>
-                <a:cs typeface="Times New Roman" panose="02020603050405020304" pitchFamily="18" charset="0"/>
-              </a:rPr>
-              <a:t>与通信开销之间进行权衡</a:t>
-            </a:r>
-            <a:endParaRPr lang="zh-CN" altLang="en-US" dirty="0"/>
-          </a:p>
-        </p:txBody>
-      </p:sp>
-      <p:sp>
-        <p:nvSpPr>
-          <p:cNvPr id="4" name="灯片编号占位符 3"/>
-          <p:cNvSpPr>
-            <a:spLocks noGrp="1"/>
-          </p:cNvSpPr>
-          <p:nvPr>
-            <p:ph type="sldNum" sz="quarter" idx="5"/>
-          </p:nvPr>
-        </p:nvSpPr>
-        <p:spPr/>
-        <p:txBody>
-          <a:bodyPr/>
-          <a:lstStyle/>
-          <a:p>
-            <a:pPr>
-              <a:defRPr/>
-            </a:pPr>
-            <a:fld id="{5F948D12-5B45-471A-8A76-A34678A31677}" type="slidenum">
-              <a:rPr lang="zh-CN" altLang="en-US" smtClean="0"/>
-            </a:fld>
-            <a:endParaRPr lang="en-US" altLang="zh-CN"/>
-          </a:p>
-        </p:txBody>
-      </p:sp>
-    </p:spTree>
-  </p:cSld>
-  <p:clrMapOvr>
-    <a:masterClrMapping/>
-  </p:clrMapOvr>
-</p:notes>
-</file>
-
 <file path=ppt/notesSlides/notesSlide2.xml><?xml version="1.0" encoding="utf-8"?>
 <p:notes xmlns:a="http://schemas.openxmlformats.org/drawingml/2006/main" xmlns:r="http://schemas.openxmlformats.org/officeDocument/2006/relationships" xmlns:p="http://schemas.openxmlformats.org/presentationml/2006/main">
   <p:cSld>
@@ -3520,7 +2528,7 @@
                 <a:ea typeface="宋体" panose="02010600030101010101" pitchFamily="2" charset="-122"/>
                 <a:cs typeface="Times New Roman" panose="02020603050405020304" pitchFamily="18" charset="0"/>
               </a:rPr>
-              <a:t>Industry</a:t>
+              <a:t>工业</a:t>
             </a:r>
             <a:r>
               <a:rPr lang="zh-CN" altLang="en-US" sz="1800" b="1" kern="1200" dirty="0">
@@ -3620,7 +2628,7 @@
                 <a:ea typeface="宋体" panose="02010600030101010101" pitchFamily="2" charset="-122"/>
                 <a:cs typeface="Times New Roman" panose="02020603050405020304" pitchFamily="18" charset="0"/>
               </a:rPr>
-              <a:t>Industry</a:t>
+              <a:t>工业</a:t>
             </a:r>
             <a:r>
               <a:rPr lang="zh-CN" altLang="en-US" sz="1200" b="1" kern="1200" dirty="0">
@@ -8189,6 +7197,7 @@
         </p:spPr>
         <p:txBody>
           <a:bodyPr anchor="ctr"/>
+          <a:lstStyle/>
           <a:p>
             <a:pPr indent="457200" algn="just" defTabSz="685800" eaLnBrk="1">
               <a:lnSpc>
@@ -8257,6 +7266,7 @@
           <a:bodyPr wrap="none">
             <a:spAutoFit/>
           </a:bodyPr>
+          <a:lstStyle/>
           <a:p>
             <a:r>
               <a:rPr lang="zh-CN" altLang="en-US" sz="1600" dirty="0">
@@ -8996,1719 +8006,6 @@
           </a:p>
         </p:txBody>
       </p:sp>
-    </p:spTree>
-  </p:cSld>
-  <p:clrMapOvr>
-    <a:masterClrMapping/>
-  </p:clrMapOvr>
-</p:sld>
-</file>
-
-<file path=ppt/slides/slide15.xml><?xml version="1.0" encoding="utf-8"?>
-<p:sld xmlns:a="http://schemas.openxmlformats.org/drawingml/2006/main" xmlns:r="http://schemas.openxmlformats.org/officeDocument/2006/relationships" xmlns:p="http://schemas.openxmlformats.org/presentationml/2006/main">
-  <p:cSld>
-    <p:spTree>
-      <p:nvGrpSpPr>
-        <p:cNvPr id="1" name=""/>
-        <p:cNvGrpSpPr/>
-        <p:nvPr/>
-      </p:nvGrpSpPr>
-      <p:grpSpPr>
-        <a:xfrm>
-          <a:off x="0" y="0"/>
-          <a:ext cx="0" cy="0"/>
-          <a:chOff x="0" y="0"/>
-          <a:chExt cx="0" cy="0"/>
-        </a:xfrm>
-      </p:grpSpPr>
-      <p:sp>
-        <p:nvSpPr>
-          <p:cNvPr id="8" name="矩形 7"/>
-          <p:cNvSpPr/>
-          <p:nvPr/>
-        </p:nvSpPr>
-        <p:spPr>
-          <a:xfrm>
-            <a:off x="1151335" y="6128532"/>
-            <a:ext cx="2858347" cy="338554"/>
-          </a:xfrm>
-          <a:prstGeom prst="rect">
-            <a:avLst/>
-          </a:prstGeom>
-        </p:spPr>
-        <p:txBody>
-          <a:bodyPr wrap="square">
-            <a:spAutoFit/>
-          </a:bodyPr>
-          <a:lstStyle/>
-          <a:p>
-            <a:pPr algn="ctr"/>
-            <a:r>
-              <a:rPr lang="zh-CN" altLang="en-US" sz="1600" b="1" dirty="0">
-                <a:latin typeface="微软雅黑" panose="020B0503020204020204" pitchFamily="34" charset="-122"/>
-                <a:ea typeface="微软雅黑" panose="020B0503020204020204" pitchFamily="34" charset="-122"/>
-              </a:rPr>
-              <a:t>联邦学习架构遭受</a:t>
-            </a:r>
-            <a:r>
-              <a:rPr lang="en-US" altLang="zh-CN" sz="1600" b="1" dirty="0">
-                <a:latin typeface="微软雅黑" panose="020B0503020204020204" pitchFamily="34" charset="-122"/>
-                <a:ea typeface="微软雅黑" panose="020B0503020204020204" pitchFamily="34" charset="-122"/>
-              </a:rPr>
-              <a:t>DLG</a:t>
-            </a:r>
-            <a:r>
-              <a:rPr lang="zh-CN" altLang="en-US" sz="1600" b="1" dirty="0">
-                <a:latin typeface="微软雅黑" panose="020B0503020204020204" pitchFamily="34" charset="-122"/>
-                <a:ea typeface="微软雅黑" panose="020B0503020204020204" pitchFamily="34" charset="-122"/>
-              </a:rPr>
-              <a:t>攻击</a:t>
-            </a:r>
-            <a:endParaRPr lang="zh-CN" altLang="en-US" sz="1600" b="1" dirty="0">
-              <a:latin typeface="微软雅黑" panose="020B0503020204020204" pitchFamily="34" charset="-122"/>
-              <a:ea typeface="微软雅黑" panose="020B0503020204020204" pitchFamily="34" charset="-122"/>
-            </a:endParaRPr>
-          </a:p>
-        </p:txBody>
-      </p:sp>
-      <p:sp>
-        <p:nvSpPr>
-          <p:cNvPr id="2" name="标题 1"/>
-          <p:cNvSpPr>
-            <a:spLocks noGrp="1"/>
-          </p:cNvSpPr>
-          <p:nvPr>
-            <p:ph type="title"/>
-          </p:nvPr>
-        </p:nvSpPr>
-        <p:spPr/>
-        <p:txBody>
-          <a:bodyPr/>
-          <a:lstStyle/>
-          <a:p>
-            <a:r>
-              <a:rPr kumimoji="1" lang="zh-CN" altLang="en-US" dirty="0"/>
-              <a:t>研究现状与挑战</a:t>
-            </a:r>
-            <a:endParaRPr kumimoji="1" lang="zh-CN" altLang="en-US" dirty="0"/>
-          </a:p>
-        </p:txBody>
-      </p:sp>
-      <p:sp>
-        <p:nvSpPr>
-          <p:cNvPr id="3" name="内容占位符 2"/>
-          <p:cNvSpPr>
-            <a:spLocks noGrp="1"/>
-          </p:cNvSpPr>
-          <p:nvPr>
-            <p:ph idx="1"/>
-          </p:nvPr>
-        </p:nvSpPr>
-        <p:spPr>
-          <a:xfrm>
-            <a:off x="464477" y="1433204"/>
-            <a:ext cx="6249832" cy="1978258"/>
-          </a:xfrm>
-        </p:spPr>
-        <p:txBody>
-          <a:bodyPr/>
-          <a:lstStyle/>
-          <a:p>
-            <a:r>
-              <a:rPr kumimoji="1" lang="zh-CN" altLang="en-US" dirty="0"/>
-              <a:t>联邦学习架构下的隐私保护问题</a:t>
-            </a:r>
-            <a:endParaRPr kumimoji="1" lang="en-US" altLang="zh-CN" dirty="0"/>
-          </a:p>
-          <a:p>
-            <a:pPr lvl="1"/>
-            <a:r>
-              <a:rPr lang="zh-CN" altLang="en-US" dirty="0"/>
-              <a:t>来自梯度的泄露（</a:t>
-            </a:r>
-            <a:r>
-              <a:rPr lang="en-US" altLang="zh-CN" dirty="0"/>
-              <a:t>DLG</a:t>
-            </a:r>
-            <a:r>
-              <a:rPr lang="zh-CN" altLang="en-US" dirty="0"/>
-              <a:t>攻击</a:t>
-            </a:r>
-            <a:r>
-              <a:rPr lang="en-US" altLang="zh-CN" dirty="0"/>
-              <a:t>,</a:t>
-            </a:r>
-            <a:r>
-              <a:rPr lang="da-DK" altLang="zh-CN" dirty="0"/>
-              <a:t> </a:t>
-            </a:r>
-            <a:r>
-              <a:rPr lang="da-DK" altLang="zh-CN" b="0" dirty="0"/>
-              <a:t>Zhu L et al, 2019</a:t>
-            </a:r>
-            <a:r>
-              <a:rPr lang="zh-CN" altLang="en-US" dirty="0"/>
-              <a:t>）</a:t>
-            </a:r>
-            <a:endParaRPr lang="en-US" altLang="zh-CN" dirty="0"/>
-          </a:p>
-          <a:p>
-            <a:pPr lvl="2"/>
-            <a:r>
-              <a:rPr lang="zh-CN" altLang="en-US" b="0" dirty="0"/>
-              <a:t>联邦学习架构共享的梯度信息暴露隐私的训练数据</a:t>
-            </a:r>
-            <a:endParaRPr lang="en-US" altLang="zh-CN" b="0" dirty="0"/>
-          </a:p>
-          <a:p>
-            <a:pPr lvl="2"/>
-            <a:r>
-              <a:rPr lang="zh-CN" altLang="en-US" b="0" dirty="0"/>
-              <a:t>中心服务器能够窃取所有参与者的隐私数据</a:t>
-            </a:r>
-            <a:endParaRPr lang="en-US" altLang="zh-CN" b="0" dirty="0"/>
-          </a:p>
-          <a:p>
-            <a:pPr lvl="2"/>
-            <a:r>
-              <a:rPr lang="zh-CN" altLang="en-US" b="0" dirty="0"/>
-              <a:t>线条规则、背景简单的版图数据很容易被恢复出来</a:t>
-            </a:r>
-            <a:endParaRPr lang="en-US" altLang="zh-CN" b="0" dirty="0"/>
-          </a:p>
-          <a:p>
-            <a:pPr marL="779145" lvl="2" indent="0">
-              <a:buNone/>
-            </a:pPr>
-            <a:endParaRPr kumimoji="1" lang="en-US" altLang="zh-CN" dirty="0"/>
-          </a:p>
-          <a:p>
-            <a:pPr lvl="2"/>
-            <a:endParaRPr kumimoji="1" lang="en-US" altLang="zh-CN" dirty="0"/>
-          </a:p>
-          <a:p>
-            <a:pPr lvl="2"/>
-            <a:endParaRPr kumimoji="1" lang="en-US" altLang="zh-CN" dirty="0"/>
-          </a:p>
-          <a:p>
-            <a:pPr marL="335280" lvl="1" indent="0">
-              <a:buNone/>
-            </a:pPr>
-            <a:r>
-              <a:rPr lang="zh-CN" altLang="en-US" sz="1600" dirty="0">
-                <a:latin typeface="微软雅黑" panose="020B0503020204020204" pitchFamily="34" charset="-122"/>
-                <a:ea typeface="微软雅黑" panose="020B0503020204020204" pitchFamily="34" charset="-122"/>
-              </a:rPr>
-              <a:t>    </a:t>
-            </a:r>
-            <a:endParaRPr lang="en-US" altLang="zh-CN" sz="1600" dirty="0"/>
-          </a:p>
-          <a:p>
-            <a:pPr marL="335280" lvl="1" indent="0">
-              <a:buNone/>
-            </a:pPr>
-            <a:endParaRPr lang="en-US" altLang="zh-CN" sz="1600" dirty="0">
-              <a:latin typeface="微软雅黑" panose="020B0503020204020204" pitchFamily="34" charset="-122"/>
-              <a:ea typeface="微软雅黑" panose="020B0503020204020204" pitchFamily="34" charset="-122"/>
-            </a:endParaRPr>
-          </a:p>
-          <a:p>
-            <a:pPr marL="335280" lvl="1" indent="0">
-              <a:buNone/>
-            </a:pPr>
-            <a:r>
-              <a:rPr lang="zh-CN" altLang="en-US" sz="1600" dirty="0"/>
-              <a:t>    </a:t>
-            </a:r>
-            <a:endParaRPr kumimoji="1" lang="en-US" altLang="zh-CN" dirty="0"/>
-          </a:p>
-        </p:txBody>
-      </p:sp>
-      <p:sp>
-        <p:nvSpPr>
-          <p:cNvPr id="4" name="灯片编号占位符 3"/>
-          <p:cNvSpPr>
-            <a:spLocks noGrp="1"/>
-          </p:cNvSpPr>
-          <p:nvPr>
-            <p:ph type="sldNum" sz="quarter" idx="12"/>
-          </p:nvPr>
-        </p:nvSpPr>
-        <p:spPr/>
-        <p:txBody>
-          <a:bodyPr/>
-          <a:lstStyle/>
-          <a:p>
-            <a:pPr>
-              <a:defRPr/>
-            </a:pPr>
-            <a:fld id="{F0548F07-C921-477C-93AE-EE81E7406299}" type="slidenum">
-              <a:rPr lang="zh-CN" altLang="en-US" smtClean="0"/>
-            </a:fld>
-            <a:endParaRPr lang="en-US" altLang="zh-CN" dirty="0"/>
-          </a:p>
-        </p:txBody>
-      </p:sp>
-      <p:grpSp>
-        <p:nvGrpSpPr>
-          <p:cNvPr id="11" name="组合 10"/>
-          <p:cNvGrpSpPr/>
-          <p:nvPr/>
-        </p:nvGrpSpPr>
-        <p:grpSpPr>
-          <a:xfrm>
-            <a:off x="4629088" y="4211855"/>
-            <a:ext cx="4170442" cy="1823876"/>
-            <a:chOff x="4336494" y="4587451"/>
-            <a:chExt cx="4170442" cy="1823876"/>
-          </a:xfrm>
-        </p:grpSpPr>
-        <p:pic>
-          <p:nvPicPr>
-            <p:cNvPr id="7" name="图片 6"/>
-            <p:cNvPicPr>
-              <a:picLocks noChangeAspect="1"/>
-            </p:cNvPicPr>
-            <p:nvPr/>
-          </p:nvPicPr>
-          <p:blipFill>
-            <a:blip r:embed="rId1"/>
-            <a:stretch>
-              <a:fillRect/>
-            </a:stretch>
-          </p:blipFill>
-          <p:spPr>
-            <a:xfrm>
-              <a:off x="4336494" y="4587451"/>
-              <a:ext cx="4170442" cy="1507775"/>
-            </a:xfrm>
-            <a:prstGeom prst="rect">
-              <a:avLst/>
-            </a:prstGeom>
-          </p:spPr>
-        </p:pic>
-        <p:sp>
-          <p:nvSpPr>
-            <p:cNvPr id="10" name="矩形 9"/>
-            <p:cNvSpPr/>
-            <p:nvPr/>
-          </p:nvSpPr>
-          <p:spPr>
-            <a:xfrm>
-              <a:off x="4992542" y="6072773"/>
-              <a:ext cx="2858347" cy="338554"/>
-            </a:xfrm>
-            <a:prstGeom prst="rect">
-              <a:avLst/>
-            </a:prstGeom>
-          </p:spPr>
-          <p:txBody>
-            <a:bodyPr wrap="square">
-              <a:spAutoFit/>
-            </a:bodyPr>
-            <a:lstStyle/>
-            <a:p>
-              <a:pPr algn="ctr"/>
-              <a:r>
-                <a:rPr lang="en-US" altLang="zh-CN" sz="1600" b="1" dirty="0">
-                  <a:latin typeface="微软雅黑" panose="020B0503020204020204" pitchFamily="34" charset="-122"/>
-                  <a:ea typeface="微软雅黑" panose="020B0503020204020204" pitchFamily="34" charset="-122"/>
-                </a:rPr>
-                <a:t>DLG</a:t>
-              </a:r>
-              <a:r>
-                <a:rPr lang="zh-CN" altLang="en-US" sz="1600" b="1" dirty="0">
-                  <a:latin typeface="微软雅黑" panose="020B0503020204020204" pitchFamily="34" charset="-122"/>
-                  <a:ea typeface="微软雅黑" panose="020B0503020204020204" pitchFamily="34" charset="-122"/>
-                </a:rPr>
-                <a:t>攻击下的数据恢复过程</a:t>
-              </a:r>
-              <a:endParaRPr lang="zh-CN" altLang="en-US" sz="1600" b="1" dirty="0">
-                <a:latin typeface="微软雅黑" panose="020B0503020204020204" pitchFamily="34" charset="-122"/>
-                <a:ea typeface="微软雅黑" panose="020B0503020204020204" pitchFamily="34" charset="-122"/>
-              </a:endParaRPr>
-            </a:p>
-          </p:txBody>
-        </p:sp>
-      </p:grpSp>
-      <p:pic>
-        <p:nvPicPr>
-          <p:cNvPr id="5" name="图片 4"/>
-          <p:cNvPicPr>
-            <a:picLocks noChangeAspect="1"/>
-          </p:cNvPicPr>
-          <p:nvPr/>
-        </p:nvPicPr>
-        <p:blipFill>
-          <a:blip r:embed="rId2"/>
-          <a:stretch>
-            <a:fillRect/>
-          </a:stretch>
-        </p:blipFill>
-        <p:spPr>
-          <a:xfrm>
-            <a:off x="696442" y="3586442"/>
-            <a:ext cx="3768132" cy="2542090"/>
-          </a:xfrm>
-          <a:prstGeom prst="rect">
-            <a:avLst/>
-          </a:prstGeom>
-        </p:spPr>
-      </p:pic>
-    </p:spTree>
-  </p:cSld>
-  <p:clrMapOvr>
-    <a:masterClrMapping/>
-  </p:clrMapOvr>
-</p:sld>
-</file>
-
-<file path=ppt/slides/slide16.xml><?xml version="1.0" encoding="utf-8"?>
-<p:sld xmlns:a="http://schemas.openxmlformats.org/drawingml/2006/main" xmlns:r="http://schemas.openxmlformats.org/officeDocument/2006/relationships" xmlns:p="http://schemas.openxmlformats.org/presentationml/2006/main">
-  <p:cSld>
-    <p:spTree>
-      <p:nvGrpSpPr>
-        <p:cNvPr id="1" name=""/>
-        <p:cNvGrpSpPr/>
-        <p:nvPr/>
-      </p:nvGrpSpPr>
-      <p:grpSpPr>
-        <a:xfrm>
-          <a:off x="0" y="0"/>
-          <a:ext cx="0" cy="0"/>
-          <a:chOff x="0" y="0"/>
-          <a:chExt cx="0" cy="0"/>
-        </a:xfrm>
-      </p:grpSpPr>
-      <p:sp>
-        <p:nvSpPr>
-          <p:cNvPr id="2" name="标题 1"/>
-          <p:cNvSpPr>
-            <a:spLocks noGrp="1"/>
-          </p:cNvSpPr>
-          <p:nvPr>
-            <p:ph type="title"/>
-          </p:nvPr>
-        </p:nvSpPr>
-        <p:spPr/>
-        <p:txBody>
-          <a:bodyPr/>
-          <a:lstStyle/>
-          <a:p>
-            <a:r>
-              <a:rPr kumimoji="1" lang="zh-CN" altLang="en-US" dirty="0"/>
-              <a:t>研究内容三</a:t>
-            </a:r>
-            <a:endParaRPr kumimoji="1" lang="zh-CN" altLang="en-US" dirty="0"/>
-          </a:p>
-        </p:txBody>
-      </p:sp>
-      <p:sp>
-        <p:nvSpPr>
-          <p:cNvPr id="4" name="灯片编号占位符 3"/>
-          <p:cNvSpPr>
-            <a:spLocks noGrp="1"/>
-          </p:cNvSpPr>
-          <p:nvPr>
-            <p:ph type="sldNum" sz="quarter" idx="12"/>
-          </p:nvPr>
-        </p:nvSpPr>
-        <p:spPr>
-          <a:xfrm>
-            <a:off x="8343418" y="6242050"/>
-            <a:ext cx="680419" cy="457200"/>
-          </a:xfrm>
-        </p:spPr>
-        <p:txBody>
-          <a:bodyPr/>
-          <a:lstStyle/>
-          <a:p>
-            <a:pPr>
-              <a:defRPr/>
-            </a:pPr>
-            <a:fld id="{F0548F07-C921-477C-93AE-EE81E7406299}" type="slidenum">
-              <a:rPr lang="zh-CN" altLang="en-US" smtClean="0"/>
-            </a:fld>
-            <a:endParaRPr lang="en-US" altLang="zh-CN" dirty="0"/>
-          </a:p>
-        </p:txBody>
-      </p:sp>
-      <p:sp>
-        <p:nvSpPr>
-          <p:cNvPr id="16" name="Rectangle 2"/>
-          <p:cNvSpPr>
-            <a:spLocks noChangeArrowheads="1"/>
-          </p:cNvSpPr>
-          <p:nvPr/>
-        </p:nvSpPr>
-        <p:spPr bwMode="auto">
-          <a:xfrm>
-            <a:off x="2529594" y="2314821"/>
-            <a:ext cx="9662407" cy="45719"/>
-          </a:xfrm>
-          <a:prstGeom prst="rect">
-            <a:avLst/>
-          </a:prstGeom>
-          <a:noFill/>
-          <a:ln>
-            <a:noFill/>
-          </a:ln>
-          <a:effectLst/>
-          <a:extLst>
-            <a:ext uri="{909E8E84-426E-40DD-AFC4-6F175D3DCCD1}">
-              <a14:hiddenFill xmlns:a14="http://schemas.microsoft.com/office/drawing/2010/main">
-                <a:solidFill>
-                  <a:schemeClr val="accent1"/>
-                </a:solidFill>
-              </a14:hiddenFill>
-            </a:ext>
-            <a:ext uri="{91240B29-F687-4F45-9708-019B960494DF}">
-              <a14:hiddenLine xmlns:a14="http://schemas.microsoft.com/office/drawing/2010/main" w="9525">
-                <a:solidFill>
-                  <a:schemeClr val="tx1"/>
-                </a:solidFill>
-                <a:miter lim="800000"/>
-                <a:headEnd/>
-                <a:tailEnd/>
-              </a14:hiddenLine>
-            </a:ext>
-            <a:ext uri="{AF507438-7753-43E0-B8FC-AC1667EBCBE1}">
-              <a14:hiddenEffects xmlns:a14="http://schemas.microsoft.com/office/drawing/2010/main">
-                <a:effectLst>
-                  <a:outerShdw dist="35921" dir="2700000" algn="ctr" rotWithShape="0">
-                    <a:schemeClr val="bg2"/>
-                  </a:outerShdw>
-                </a:effectLst>
-              </a14:hiddenEffects>
-            </a:ext>
-          </a:extLst>
-        </p:spPr>
-        <p:txBody>
-          <a:bodyPr vert="horz" wrap="square" lIns="91440" tIns="45720" rIns="91440" bIns="45720" numCol="1" anchor="ctr" anchorCtr="0" compatLnSpc="1">
-            <a:spAutoFit/>
-          </a:bodyPr>
-          <a:lstStyle/>
-          <a:p>
-            <a:endParaRPr lang="zh-CN" altLang="en-US"/>
-          </a:p>
-        </p:txBody>
-      </p:sp>
-      <p:sp>
-        <p:nvSpPr>
-          <p:cNvPr id="18" name="Rectangle 4"/>
-          <p:cNvSpPr>
-            <a:spLocks noChangeArrowheads="1"/>
-          </p:cNvSpPr>
-          <p:nvPr/>
-        </p:nvSpPr>
-        <p:spPr bwMode="auto">
-          <a:xfrm>
-            <a:off x="0" y="0"/>
-            <a:ext cx="9144000" cy="0"/>
-          </a:xfrm>
-          <a:prstGeom prst="rect">
-            <a:avLst/>
-          </a:prstGeom>
-          <a:noFill/>
-          <a:ln>
-            <a:noFill/>
-          </a:ln>
-          <a:effectLst/>
-          <a:extLst>
-            <a:ext uri="{909E8E84-426E-40DD-AFC4-6F175D3DCCD1}">
-              <a14:hiddenFill xmlns:a14="http://schemas.microsoft.com/office/drawing/2010/main">
-                <a:solidFill>
-                  <a:schemeClr val="accent1"/>
-                </a:solidFill>
-              </a14:hiddenFill>
-            </a:ext>
-            <a:ext uri="{91240B29-F687-4F45-9708-019B960494DF}">
-              <a14:hiddenLine xmlns:a14="http://schemas.microsoft.com/office/drawing/2010/main" w="9525">
-                <a:solidFill>
-                  <a:schemeClr val="tx1"/>
-                </a:solidFill>
-                <a:miter lim="800000"/>
-                <a:headEnd/>
-                <a:tailEnd/>
-              </a14:hiddenLine>
-            </a:ext>
-            <a:ext uri="{AF507438-7753-43E0-B8FC-AC1667EBCBE1}">
-              <a14:hiddenEffects xmlns:a14="http://schemas.microsoft.com/office/drawing/2010/main">
-                <a:effectLst>
-                  <a:outerShdw dist="35921" dir="2700000" algn="ctr" rotWithShape="0">
-                    <a:schemeClr val="bg2"/>
-                  </a:outerShdw>
-                </a:effectLst>
-              </a14:hiddenEffects>
-            </a:ext>
-          </a:extLst>
-        </p:spPr>
-        <p:txBody>
-          <a:bodyPr vert="horz" wrap="none" lIns="91440" tIns="45720" rIns="91440" bIns="45720" numCol="1" anchor="ctr" anchorCtr="0" compatLnSpc="1">
-            <a:spAutoFit/>
-          </a:bodyPr>
-          <a:lstStyle/>
-          <a:p>
-            <a:endParaRPr lang="zh-CN" altLang="en-US"/>
-          </a:p>
-        </p:txBody>
-      </p:sp>
-      <p:sp>
-        <p:nvSpPr>
-          <p:cNvPr id="5" name="内容占位符 2"/>
-          <p:cNvSpPr txBox="1"/>
-          <p:nvPr/>
-        </p:nvSpPr>
-        <p:spPr bwMode="auto">
-          <a:xfrm>
-            <a:off x="442647" y="1161467"/>
-            <a:ext cx="8215047" cy="496297"/>
-          </a:xfrm>
-          <a:prstGeom prst="rect">
-            <a:avLst/>
-          </a:prstGeom>
-          <a:noFill/>
-          <a:ln>
-            <a:noFill/>
-          </a:ln>
-          <a:extLst>
-            <a:ext uri="{909E8E84-426E-40DD-AFC4-6F175D3DCCD1}">
-              <a14:hiddenFill xmlns:a14="http://schemas.microsoft.com/office/drawing/2010/main">
-                <a:solidFill>
-                  <a:srgbClr val="FFFFFF"/>
-                </a:solidFill>
-              </a14:hiddenFill>
-            </a:ext>
-            <a:ext uri="{91240B29-F687-4F45-9708-019B960494DF}">
-              <a14:hiddenLine xmlns:a14="http://schemas.microsoft.com/office/drawing/2010/main" w="9525">
-                <a:solidFill>
-                  <a:srgbClr val="000000"/>
-                </a:solidFill>
-                <a:miter lim="800000"/>
-                <a:headEnd/>
-                <a:tailEnd/>
-              </a14:hiddenLine>
-            </a:ext>
-          </a:extLst>
-        </p:spPr>
-        <p:txBody>
-          <a:bodyPr vert="horz" wrap="square" lIns="91440" tIns="45720" rIns="91440" bIns="45720" numCol="1" anchor="t" anchorCtr="0" compatLnSpc="1"/>
-          <a:lstStyle>
-            <a:lvl1pPr marL="292100" indent="-292100" algn="l" rtl="0" eaLnBrk="0" fontAlgn="base" hangingPunct="0">
-              <a:lnSpc>
-                <a:spcPct val="125000"/>
-              </a:lnSpc>
-              <a:spcBef>
-                <a:spcPts val="385"/>
-              </a:spcBef>
-              <a:spcAft>
-                <a:spcPts val="255"/>
-              </a:spcAft>
-              <a:buClr>
-                <a:srgbClr val="C00000"/>
-              </a:buClr>
-              <a:buSzPct val="85000"/>
-              <a:buFont typeface="Wingdings" panose="05000000000000000000" pitchFamily="2" charset="2"/>
-              <a:buChar char="p"/>
-              <a:defRPr sz="2000" b="1">
-                <a:solidFill>
-                  <a:schemeClr val="tx1"/>
-                </a:solidFill>
-                <a:latin typeface="微软雅黑" panose="020B0503020204020204" pitchFamily="34" charset="-122"/>
-                <a:ea typeface="微软雅黑" panose="020B0503020204020204" pitchFamily="34" charset="-122"/>
-                <a:cs typeface="+mn-cs"/>
-              </a:defRPr>
-            </a:lvl1pPr>
-            <a:lvl2pPr marL="631190" indent="-295910" algn="l" rtl="0" eaLnBrk="0" fontAlgn="base" hangingPunct="0">
-              <a:spcBef>
-                <a:spcPts val="510"/>
-              </a:spcBef>
-              <a:spcAft>
-                <a:spcPts val="510"/>
-              </a:spcAft>
-              <a:buClr>
-                <a:srgbClr val="C00000"/>
-              </a:buClr>
-              <a:buSzPct val="100000"/>
-              <a:buFont typeface="Wingdings" panose="05000000000000000000" pitchFamily="2" charset="2"/>
-              <a:buChar char="Ø"/>
-              <a:defRPr sz="1800" b="1">
-                <a:solidFill>
-                  <a:schemeClr val="tx1"/>
-                </a:solidFill>
-                <a:latin typeface="微软雅黑" panose="020B0503020204020204" pitchFamily="34" charset="-122"/>
-                <a:ea typeface="微软雅黑" panose="020B0503020204020204" pitchFamily="34" charset="-122"/>
-              </a:defRPr>
-            </a:lvl2pPr>
-            <a:lvl3pPr marL="974090" indent="-194945" algn="l" rtl="0" eaLnBrk="0" fontAlgn="base" hangingPunct="0">
-              <a:spcBef>
-                <a:spcPct val="20000"/>
-              </a:spcBef>
-              <a:spcAft>
-                <a:spcPct val="0"/>
-              </a:spcAft>
-              <a:buClr>
-                <a:srgbClr val="C00000"/>
-              </a:buClr>
-              <a:buSzPct val="85000"/>
-              <a:buFont typeface="Wingdings" panose="05000000000000000000" pitchFamily="2" charset="2"/>
-              <a:buChar char="n"/>
-              <a:defRPr sz="1600" b="1">
-                <a:solidFill>
-                  <a:schemeClr val="tx1"/>
-                </a:solidFill>
-                <a:latin typeface="微软雅黑" panose="020B0503020204020204" pitchFamily="34" charset="-122"/>
-                <a:ea typeface="微软雅黑" panose="020B0503020204020204" pitchFamily="34" charset="-122"/>
-                <a:cs typeface="微软雅黑" panose="020B0503020204020204" pitchFamily="34" charset="-122"/>
-              </a:defRPr>
-            </a:lvl3pPr>
-            <a:lvl4pPr marL="1363345" indent="-194945" algn="l" rtl="0" eaLnBrk="0" fontAlgn="base" hangingPunct="0">
-              <a:spcBef>
-                <a:spcPct val="20000"/>
-              </a:spcBef>
-              <a:spcAft>
-                <a:spcPct val="0"/>
-              </a:spcAft>
-              <a:buClr>
-                <a:schemeClr val="bg2"/>
-              </a:buClr>
-              <a:buFont typeface="Wingdings" panose="05000000000000000000" pitchFamily="2" charset="2"/>
-              <a:buChar char="§"/>
-              <a:defRPr sz="1705">
-                <a:solidFill>
-                  <a:schemeClr val="tx1"/>
-                </a:solidFill>
-                <a:latin typeface="+mn-lt"/>
-              </a:defRPr>
-            </a:lvl4pPr>
-            <a:lvl5pPr marL="1753235" indent="-194945" algn="l" rtl="0" eaLnBrk="0" fontAlgn="base" hangingPunct="0">
-              <a:spcBef>
-                <a:spcPct val="20000"/>
-              </a:spcBef>
-              <a:spcAft>
-                <a:spcPct val="0"/>
-              </a:spcAft>
-              <a:buClr>
-                <a:schemeClr val="tx2"/>
-              </a:buClr>
-              <a:buSzPct val="80000"/>
-              <a:buFont typeface="Wingdings" panose="05000000000000000000" pitchFamily="2" charset="2"/>
-              <a:buChar char="§"/>
-              <a:defRPr sz="1705">
-                <a:solidFill>
-                  <a:schemeClr val="tx1"/>
-                </a:solidFill>
-                <a:latin typeface="+mn-lt"/>
-              </a:defRPr>
-            </a:lvl5pPr>
-            <a:lvl6pPr marL="2142490" indent="-194945" algn="l" rtl="0" eaLnBrk="1" fontAlgn="base" hangingPunct="1">
-              <a:spcBef>
-                <a:spcPct val="20000"/>
-              </a:spcBef>
-              <a:spcAft>
-                <a:spcPct val="0"/>
-              </a:spcAft>
-              <a:buClr>
-                <a:schemeClr val="tx2"/>
-              </a:buClr>
-              <a:buSzPct val="80000"/>
-              <a:buFont typeface="Wingdings" panose="05000000000000000000" pitchFamily="2" charset="2"/>
-              <a:buChar char="§"/>
-              <a:defRPr>
-                <a:solidFill>
-                  <a:schemeClr val="tx1"/>
-                </a:solidFill>
-                <a:latin typeface="+mn-lt"/>
-              </a:defRPr>
-            </a:lvl6pPr>
-            <a:lvl7pPr marL="2532380" indent="-194945" algn="l" rtl="0" eaLnBrk="1" fontAlgn="base" hangingPunct="1">
-              <a:spcBef>
-                <a:spcPct val="20000"/>
-              </a:spcBef>
-              <a:spcAft>
-                <a:spcPct val="0"/>
-              </a:spcAft>
-              <a:buClr>
-                <a:schemeClr val="tx2"/>
-              </a:buClr>
-              <a:buSzPct val="80000"/>
-              <a:buFont typeface="Wingdings" panose="05000000000000000000" pitchFamily="2" charset="2"/>
-              <a:buChar char="§"/>
-              <a:defRPr>
-                <a:solidFill>
-                  <a:schemeClr val="tx1"/>
-                </a:solidFill>
-                <a:latin typeface="+mn-lt"/>
-              </a:defRPr>
-            </a:lvl7pPr>
-            <a:lvl8pPr marL="2921635" indent="-194945" algn="l" rtl="0" eaLnBrk="1" fontAlgn="base" hangingPunct="1">
-              <a:spcBef>
-                <a:spcPct val="20000"/>
-              </a:spcBef>
-              <a:spcAft>
-                <a:spcPct val="0"/>
-              </a:spcAft>
-              <a:buClr>
-                <a:schemeClr val="tx2"/>
-              </a:buClr>
-              <a:buSzPct val="80000"/>
-              <a:buFont typeface="Wingdings" panose="05000000000000000000" pitchFamily="2" charset="2"/>
-              <a:buChar char="§"/>
-              <a:defRPr>
-                <a:solidFill>
-                  <a:schemeClr val="tx1"/>
-                </a:solidFill>
-                <a:latin typeface="+mn-lt"/>
-              </a:defRPr>
-            </a:lvl8pPr>
-            <a:lvl9pPr marL="3311525" indent="-194945" algn="l" rtl="0" eaLnBrk="1" fontAlgn="base" hangingPunct="1">
-              <a:spcBef>
-                <a:spcPct val="20000"/>
-              </a:spcBef>
-              <a:spcAft>
-                <a:spcPct val="0"/>
-              </a:spcAft>
-              <a:buClr>
-                <a:schemeClr val="tx2"/>
-              </a:buClr>
-              <a:buSzPct val="80000"/>
-              <a:buFont typeface="Wingdings" panose="05000000000000000000" pitchFamily="2" charset="2"/>
-              <a:buChar char="§"/>
-              <a:defRPr>
-                <a:solidFill>
-                  <a:schemeClr val="tx1"/>
-                </a:solidFill>
-                <a:latin typeface="+mn-lt"/>
-              </a:defRPr>
-            </a:lvl9pPr>
-          </a:lstStyle>
-          <a:p>
-            <a:r>
-              <a:rPr kumimoji="1" lang="en-US" altLang="zh-CN" dirty="0"/>
-              <a:t>DLG</a:t>
-            </a:r>
-            <a:r>
-              <a:rPr kumimoji="1" lang="zh-CN" altLang="en-US" dirty="0"/>
-              <a:t>攻击的原理</a:t>
-            </a:r>
-            <a:endParaRPr kumimoji="1" lang="en-US" altLang="zh-CN" dirty="0"/>
-          </a:p>
-          <a:p>
-            <a:pPr lvl="1"/>
-            <a:r>
-              <a:rPr kumimoji="1" lang="zh-CN" altLang="en-US" dirty="0"/>
-              <a:t>最小化梯度追踪误差</a:t>
-            </a:r>
-            <a:endParaRPr kumimoji="1" lang="en-US" altLang="zh-CN" dirty="0"/>
-          </a:p>
-          <a:p>
-            <a:endParaRPr lang="en-US" altLang="zh-CN" b="1" dirty="0">
-              <a:latin typeface="微软雅黑" panose="020B0503020204020204" pitchFamily="34" charset="-122"/>
-              <a:ea typeface="微软雅黑" panose="020B0503020204020204" pitchFamily="34" charset="-122"/>
-            </a:endParaRPr>
-          </a:p>
-          <a:p>
-            <a:pPr lvl="1"/>
-            <a:endParaRPr lang="en-US" altLang="zh-CN" dirty="0"/>
-          </a:p>
-          <a:p>
-            <a:pPr marL="335280" lvl="1" indent="0">
-              <a:buFont typeface="Wingdings" panose="05000000000000000000" pitchFamily="2" charset="2"/>
-              <a:buNone/>
-            </a:pPr>
-            <a:endParaRPr kumimoji="1" lang="en-US" altLang="zh-CN" kern="0" dirty="0"/>
-          </a:p>
-        </p:txBody>
-      </p:sp>
-      <p:sp>
-        <p:nvSpPr>
-          <p:cNvPr id="11" name="矩形 10"/>
-          <p:cNvSpPr/>
-          <p:nvPr/>
-        </p:nvSpPr>
-        <p:spPr>
-          <a:xfrm>
-            <a:off x="2475987" y="6399372"/>
-            <a:ext cx="4192024" cy="338554"/>
-          </a:xfrm>
-          <a:prstGeom prst="rect">
-            <a:avLst/>
-          </a:prstGeom>
-        </p:spPr>
-        <p:txBody>
-          <a:bodyPr wrap="square">
-            <a:spAutoFit/>
-          </a:bodyPr>
-          <a:lstStyle/>
-          <a:p>
-            <a:pPr algn="ctr"/>
-            <a:r>
-              <a:rPr lang="en-US" altLang="zh-CN" sz="1600" b="1" dirty="0">
-                <a:latin typeface="微软雅黑" panose="020B0503020204020204" pitchFamily="34" charset="-122"/>
-                <a:ea typeface="微软雅黑" panose="020B0503020204020204" pitchFamily="34" charset="-122"/>
-              </a:rPr>
-              <a:t>DLG</a:t>
-            </a:r>
-            <a:r>
-              <a:rPr lang="zh-CN" altLang="en-US" sz="1600" b="1" dirty="0">
-                <a:latin typeface="微软雅黑" panose="020B0503020204020204" pitchFamily="34" charset="-122"/>
-                <a:ea typeface="微软雅黑" panose="020B0503020204020204" pitchFamily="34" charset="-122"/>
-              </a:rPr>
-              <a:t>攻击的原理图</a:t>
-            </a:r>
-            <a:endParaRPr lang="zh-CN" altLang="en-US" sz="1600" b="1" dirty="0">
-              <a:latin typeface="微软雅黑" panose="020B0503020204020204" pitchFamily="34" charset="-122"/>
-              <a:ea typeface="微软雅黑" panose="020B0503020204020204" pitchFamily="34" charset="-122"/>
-            </a:endParaRPr>
-          </a:p>
-        </p:txBody>
-      </p:sp>
-      <p:graphicFrame>
-        <p:nvGraphicFramePr>
-          <p:cNvPr id="12" name="对象 11"/>
-          <p:cNvGraphicFramePr>
-            <a:graphicFrameLocks noChangeAspect="1"/>
-          </p:cNvGraphicFramePr>
-          <p:nvPr/>
-        </p:nvGraphicFramePr>
-        <p:xfrm>
-          <a:off x="1182687" y="2001130"/>
-          <a:ext cx="6778625" cy="673100"/>
-        </p:xfrm>
-        <a:graphic>
-          <a:graphicData uri="http://schemas.openxmlformats.org/presentationml/2006/ole">
-            <mc:AlternateContent xmlns:mc="http://schemas.openxmlformats.org/markup-compatibility/2006">
-              <mc:Choice xmlns:v="urn:schemas-microsoft-com:vml" Requires="v">
-                <p:oleObj spid="_x0000_s0" name="AxMath" r:id="rId1" imgW="1143000" imgH="1143000" progId="Equation.AxMath">
-                  <p:embed/>
-                </p:oleObj>
-              </mc:Choice>
-              <mc:Fallback>
-                <p:oleObj name="AxMath" r:id="rId1" imgW="1143000" imgH="1143000" progId="Equation.AxMath">
-                  <p:embed/>
-                  <p:pic>
-                    <p:nvPicPr>
-                      <p:cNvPr id="0" name="对象 5"/>
-                      <p:cNvPicPr>
-                        <a:picLocks noChangeAspect="1" noChangeArrowheads="1"/>
-                      </p:cNvPicPr>
-                      <p:nvPr/>
-                    </p:nvPicPr>
-                    <p:blipFill>
-                      <a:blip r:embed="rId2"/>
-                      <a:srcRect/>
-                      <a:stretch>
-                        <a:fillRect/>
-                      </a:stretch>
-                    </p:blipFill>
-                    <p:spPr bwMode="auto">
-                      <a:xfrm>
-                        <a:off x="1182687" y="2001130"/>
-                        <a:ext cx="6778625" cy="673100"/>
-                      </a:xfrm>
-                      <a:prstGeom prst="rect">
-                        <a:avLst/>
-                      </a:prstGeom>
-                      <a:noFill/>
-                    </p:spPr>
-                  </p:pic>
-                </p:oleObj>
-              </mc:Fallback>
-            </mc:AlternateContent>
-          </a:graphicData>
-        </a:graphic>
-      </p:graphicFrame>
-      <p:pic>
-        <p:nvPicPr>
-          <p:cNvPr id="15" name="图片 14"/>
-          <p:cNvPicPr>
-            <a:picLocks noChangeAspect="1"/>
-          </p:cNvPicPr>
-          <p:nvPr/>
-        </p:nvPicPr>
-        <p:blipFill>
-          <a:blip r:embed="rId3">
-            <a:extLst>
-              <a:ext uri="{28A0092B-C50C-407E-A947-70E740481C1C}">
-                <a14:useLocalDpi xmlns:a14="http://schemas.microsoft.com/office/drawing/2010/main" val="0"/>
-              </a:ext>
-            </a:extLst>
-          </a:blip>
-          <a:stretch>
-            <a:fillRect/>
-          </a:stretch>
-        </p:blipFill>
-        <p:spPr>
-          <a:xfrm>
-            <a:off x="1804453" y="3599964"/>
-            <a:ext cx="5556344" cy="2778172"/>
-          </a:xfrm>
-          <a:prstGeom prst="rect">
-            <a:avLst/>
-          </a:prstGeom>
-        </p:spPr>
-      </p:pic>
-      <p:graphicFrame>
-        <p:nvGraphicFramePr>
-          <p:cNvPr id="17" name="对象 16"/>
-          <p:cNvGraphicFramePr>
-            <a:graphicFrameLocks noChangeAspect="1"/>
-          </p:cNvGraphicFramePr>
-          <p:nvPr/>
-        </p:nvGraphicFramePr>
-        <p:xfrm>
-          <a:off x="1052685" y="2785466"/>
-          <a:ext cx="6848475" cy="703262"/>
-        </p:xfrm>
-        <a:graphic>
-          <a:graphicData uri="http://schemas.openxmlformats.org/presentationml/2006/ole">
-            <mc:AlternateContent xmlns:mc="http://schemas.openxmlformats.org/markup-compatibility/2006">
-              <mc:Choice xmlns:v="urn:schemas-microsoft-com:vml" Requires="v">
-                <p:oleObj spid="_x0000_s3" name="AxMath" r:id="rId4" imgW="1143000" imgH="1143000" progId="Equation.AxMath">
-                  <p:embed/>
-                </p:oleObj>
-              </mc:Choice>
-              <mc:Fallback>
-                <p:oleObj name="AxMath" r:id="rId4" imgW="1143000" imgH="1143000" progId="Equation.AxMath">
-                  <p:embed/>
-                  <p:pic>
-                    <p:nvPicPr>
-                      <p:cNvPr id="0" name="对象 11"/>
-                      <p:cNvPicPr>
-                        <a:picLocks noChangeAspect="1" noChangeArrowheads="1"/>
-                      </p:cNvPicPr>
-                      <p:nvPr/>
-                    </p:nvPicPr>
-                    <p:blipFill>
-                      <a:blip r:embed="rId5"/>
-                      <a:srcRect/>
-                      <a:stretch>
-                        <a:fillRect/>
-                      </a:stretch>
-                    </p:blipFill>
-                    <p:spPr bwMode="auto">
-                      <a:xfrm>
-                        <a:off x="1052685" y="2785466"/>
-                        <a:ext cx="6848475" cy="703262"/>
-                      </a:xfrm>
-                      <a:prstGeom prst="rect">
-                        <a:avLst/>
-                      </a:prstGeom>
-                      <a:noFill/>
-                    </p:spPr>
-                  </p:pic>
-                </p:oleObj>
-              </mc:Fallback>
-            </mc:AlternateContent>
-          </a:graphicData>
-        </a:graphic>
-      </p:graphicFrame>
-    </p:spTree>
-  </p:cSld>
-  <p:clrMapOvr>
-    <a:masterClrMapping/>
-  </p:clrMapOvr>
-</p:sld>
-</file>
-
-<file path=ppt/slides/slide17.xml><?xml version="1.0" encoding="utf-8"?>
-<p:sld xmlns:a="http://schemas.openxmlformats.org/drawingml/2006/main" xmlns:r="http://schemas.openxmlformats.org/officeDocument/2006/relationships" xmlns:p="http://schemas.openxmlformats.org/presentationml/2006/main">
-  <p:cSld>
-    <p:spTree>
-      <p:nvGrpSpPr>
-        <p:cNvPr id="1" name=""/>
-        <p:cNvGrpSpPr/>
-        <p:nvPr/>
-      </p:nvGrpSpPr>
-      <p:grpSpPr>
-        <a:xfrm>
-          <a:off x="0" y="0"/>
-          <a:ext cx="0" cy="0"/>
-          <a:chOff x="0" y="0"/>
-          <a:chExt cx="0" cy="0"/>
-        </a:xfrm>
-      </p:grpSpPr>
-      <p:sp>
-        <p:nvSpPr>
-          <p:cNvPr id="2" name="标题 1"/>
-          <p:cNvSpPr>
-            <a:spLocks noGrp="1"/>
-          </p:cNvSpPr>
-          <p:nvPr>
-            <p:ph type="title"/>
-          </p:nvPr>
-        </p:nvSpPr>
-        <p:spPr/>
-        <p:txBody>
-          <a:bodyPr/>
-          <a:lstStyle/>
-          <a:p>
-            <a:r>
-              <a:rPr kumimoji="1" lang="zh-CN" altLang="en-US" dirty="0"/>
-              <a:t>研究内容三</a:t>
-            </a:r>
-            <a:endParaRPr kumimoji="1" lang="zh-CN" altLang="en-US" dirty="0"/>
-          </a:p>
-        </p:txBody>
-      </p:sp>
-      <p:sp>
-        <p:nvSpPr>
-          <p:cNvPr id="4" name="灯片编号占位符 3"/>
-          <p:cNvSpPr>
-            <a:spLocks noGrp="1"/>
-          </p:cNvSpPr>
-          <p:nvPr>
-            <p:ph type="sldNum" sz="quarter" idx="12"/>
-          </p:nvPr>
-        </p:nvSpPr>
-        <p:spPr>
-          <a:xfrm>
-            <a:off x="8343418" y="6242050"/>
-            <a:ext cx="680419" cy="457200"/>
-          </a:xfrm>
-        </p:spPr>
-        <p:txBody>
-          <a:bodyPr/>
-          <a:lstStyle/>
-          <a:p>
-            <a:pPr>
-              <a:defRPr/>
-            </a:pPr>
-            <a:fld id="{F0548F07-C921-477C-93AE-EE81E7406299}" type="slidenum">
-              <a:rPr lang="zh-CN" altLang="en-US" smtClean="0"/>
-            </a:fld>
-            <a:endParaRPr lang="en-US" altLang="zh-CN" dirty="0"/>
-          </a:p>
-        </p:txBody>
-      </p:sp>
-      <p:sp>
-        <p:nvSpPr>
-          <p:cNvPr id="18" name="Rectangle 4"/>
-          <p:cNvSpPr>
-            <a:spLocks noChangeArrowheads="1"/>
-          </p:cNvSpPr>
-          <p:nvPr/>
-        </p:nvSpPr>
-        <p:spPr bwMode="auto">
-          <a:xfrm>
-            <a:off x="0" y="0"/>
-            <a:ext cx="9144000" cy="0"/>
-          </a:xfrm>
-          <a:prstGeom prst="rect">
-            <a:avLst/>
-          </a:prstGeom>
-          <a:noFill/>
-          <a:ln>
-            <a:noFill/>
-          </a:ln>
-          <a:effectLst/>
-          <a:extLst>
-            <a:ext uri="{909E8E84-426E-40DD-AFC4-6F175D3DCCD1}">
-              <a14:hiddenFill xmlns:a14="http://schemas.microsoft.com/office/drawing/2010/main">
-                <a:solidFill>
-                  <a:schemeClr val="accent1"/>
-                </a:solidFill>
-              </a14:hiddenFill>
-            </a:ext>
-            <a:ext uri="{91240B29-F687-4F45-9708-019B960494DF}">
-              <a14:hiddenLine xmlns:a14="http://schemas.microsoft.com/office/drawing/2010/main" w="9525">
-                <a:solidFill>
-                  <a:schemeClr val="tx1"/>
-                </a:solidFill>
-                <a:miter lim="800000"/>
-                <a:headEnd/>
-                <a:tailEnd/>
-              </a14:hiddenLine>
-            </a:ext>
-            <a:ext uri="{AF507438-7753-43E0-B8FC-AC1667EBCBE1}">
-              <a14:hiddenEffects xmlns:a14="http://schemas.microsoft.com/office/drawing/2010/main">
-                <a:effectLst>
-                  <a:outerShdw dist="35921" dir="2700000" algn="ctr" rotWithShape="0">
-                    <a:schemeClr val="bg2"/>
-                  </a:outerShdw>
-                </a:effectLst>
-              </a14:hiddenEffects>
-            </a:ext>
-          </a:extLst>
-        </p:spPr>
-        <p:txBody>
-          <a:bodyPr vert="horz" wrap="none" lIns="91440" tIns="45720" rIns="91440" bIns="45720" numCol="1" anchor="ctr" anchorCtr="0" compatLnSpc="1">
-            <a:spAutoFit/>
-          </a:bodyPr>
-          <a:lstStyle/>
-          <a:p>
-            <a:endParaRPr lang="zh-CN" altLang="en-US"/>
-          </a:p>
-        </p:txBody>
-      </p:sp>
-      <p:sp>
-        <p:nvSpPr>
-          <p:cNvPr id="5" name="内容占位符 2"/>
-          <p:cNvSpPr txBox="1"/>
-          <p:nvPr/>
-        </p:nvSpPr>
-        <p:spPr bwMode="auto">
-          <a:xfrm>
-            <a:off x="442647" y="1161467"/>
-            <a:ext cx="8215047" cy="496297"/>
-          </a:xfrm>
-          <a:prstGeom prst="rect">
-            <a:avLst/>
-          </a:prstGeom>
-          <a:noFill/>
-          <a:ln>
-            <a:noFill/>
-          </a:ln>
-          <a:extLst>
-            <a:ext uri="{909E8E84-426E-40DD-AFC4-6F175D3DCCD1}">
-              <a14:hiddenFill xmlns:a14="http://schemas.microsoft.com/office/drawing/2010/main">
-                <a:solidFill>
-                  <a:srgbClr val="FFFFFF"/>
-                </a:solidFill>
-              </a14:hiddenFill>
-            </a:ext>
-            <a:ext uri="{91240B29-F687-4F45-9708-019B960494DF}">
-              <a14:hiddenLine xmlns:a14="http://schemas.microsoft.com/office/drawing/2010/main" w="9525">
-                <a:solidFill>
-                  <a:srgbClr val="000000"/>
-                </a:solidFill>
-                <a:miter lim="800000"/>
-                <a:headEnd/>
-                <a:tailEnd/>
-              </a14:hiddenLine>
-            </a:ext>
-          </a:extLst>
-        </p:spPr>
-        <p:txBody>
-          <a:bodyPr vert="horz" wrap="square" lIns="91440" tIns="45720" rIns="91440" bIns="45720" numCol="1" anchor="t" anchorCtr="0" compatLnSpc="1"/>
-          <a:lstStyle>
-            <a:lvl1pPr marL="292100" indent="-292100" algn="l" rtl="0" eaLnBrk="0" fontAlgn="base" hangingPunct="0">
-              <a:lnSpc>
-                <a:spcPct val="125000"/>
-              </a:lnSpc>
-              <a:spcBef>
-                <a:spcPts val="385"/>
-              </a:spcBef>
-              <a:spcAft>
-                <a:spcPts val="255"/>
-              </a:spcAft>
-              <a:buClr>
-                <a:srgbClr val="C00000"/>
-              </a:buClr>
-              <a:buSzPct val="85000"/>
-              <a:buFont typeface="Wingdings" panose="05000000000000000000" pitchFamily="2" charset="2"/>
-              <a:buChar char="p"/>
-              <a:defRPr sz="2000" b="1">
-                <a:solidFill>
-                  <a:schemeClr val="tx1"/>
-                </a:solidFill>
-                <a:latin typeface="微软雅黑" panose="020B0503020204020204" pitchFamily="34" charset="-122"/>
-                <a:ea typeface="微软雅黑" panose="020B0503020204020204" pitchFamily="34" charset="-122"/>
-                <a:cs typeface="+mn-cs"/>
-              </a:defRPr>
-            </a:lvl1pPr>
-            <a:lvl2pPr marL="631190" indent="-295910" algn="l" rtl="0" eaLnBrk="0" fontAlgn="base" hangingPunct="0">
-              <a:spcBef>
-                <a:spcPts val="510"/>
-              </a:spcBef>
-              <a:spcAft>
-                <a:spcPts val="510"/>
-              </a:spcAft>
-              <a:buClr>
-                <a:srgbClr val="C00000"/>
-              </a:buClr>
-              <a:buSzPct val="100000"/>
-              <a:buFont typeface="Wingdings" panose="05000000000000000000" pitchFamily="2" charset="2"/>
-              <a:buChar char="Ø"/>
-              <a:defRPr sz="1800" b="1">
-                <a:solidFill>
-                  <a:schemeClr val="tx1"/>
-                </a:solidFill>
-                <a:latin typeface="微软雅黑" panose="020B0503020204020204" pitchFamily="34" charset="-122"/>
-                <a:ea typeface="微软雅黑" panose="020B0503020204020204" pitchFamily="34" charset="-122"/>
-              </a:defRPr>
-            </a:lvl2pPr>
-            <a:lvl3pPr marL="974090" indent="-194945" algn="l" rtl="0" eaLnBrk="0" fontAlgn="base" hangingPunct="0">
-              <a:spcBef>
-                <a:spcPct val="20000"/>
-              </a:spcBef>
-              <a:spcAft>
-                <a:spcPct val="0"/>
-              </a:spcAft>
-              <a:buClr>
-                <a:srgbClr val="C00000"/>
-              </a:buClr>
-              <a:buSzPct val="85000"/>
-              <a:buFont typeface="Wingdings" panose="05000000000000000000" pitchFamily="2" charset="2"/>
-              <a:buChar char="n"/>
-              <a:defRPr sz="1600" b="1">
-                <a:solidFill>
-                  <a:schemeClr val="tx1"/>
-                </a:solidFill>
-                <a:latin typeface="微软雅黑" panose="020B0503020204020204" pitchFamily="34" charset="-122"/>
-                <a:ea typeface="微软雅黑" panose="020B0503020204020204" pitchFamily="34" charset="-122"/>
-                <a:cs typeface="微软雅黑" panose="020B0503020204020204" pitchFamily="34" charset="-122"/>
-              </a:defRPr>
-            </a:lvl3pPr>
-            <a:lvl4pPr marL="1363345" indent="-194945" algn="l" rtl="0" eaLnBrk="0" fontAlgn="base" hangingPunct="0">
-              <a:spcBef>
-                <a:spcPct val="20000"/>
-              </a:spcBef>
-              <a:spcAft>
-                <a:spcPct val="0"/>
-              </a:spcAft>
-              <a:buClr>
-                <a:schemeClr val="bg2"/>
-              </a:buClr>
-              <a:buFont typeface="Wingdings" panose="05000000000000000000" pitchFamily="2" charset="2"/>
-              <a:buChar char="§"/>
-              <a:defRPr sz="1705">
-                <a:solidFill>
-                  <a:schemeClr val="tx1"/>
-                </a:solidFill>
-                <a:latin typeface="+mn-lt"/>
-              </a:defRPr>
-            </a:lvl4pPr>
-            <a:lvl5pPr marL="1753235" indent="-194945" algn="l" rtl="0" eaLnBrk="0" fontAlgn="base" hangingPunct="0">
-              <a:spcBef>
-                <a:spcPct val="20000"/>
-              </a:spcBef>
-              <a:spcAft>
-                <a:spcPct val="0"/>
-              </a:spcAft>
-              <a:buClr>
-                <a:schemeClr val="tx2"/>
-              </a:buClr>
-              <a:buSzPct val="80000"/>
-              <a:buFont typeface="Wingdings" panose="05000000000000000000" pitchFamily="2" charset="2"/>
-              <a:buChar char="§"/>
-              <a:defRPr sz="1705">
-                <a:solidFill>
-                  <a:schemeClr val="tx1"/>
-                </a:solidFill>
-                <a:latin typeface="+mn-lt"/>
-              </a:defRPr>
-            </a:lvl5pPr>
-            <a:lvl6pPr marL="2142490" indent="-194945" algn="l" rtl="0" eaLnBrk="1" fontAlgn="base" hangingPunct="1">
-              <a:spcBef>
-                <a:spcPct val="20000"/>
-              </a:spcBef>
-              <a:spcAft>
-                <a:spcPct val="0"/>
-              </a:spcAft>
-              <a:buClr>
-                <a:schemeClr val="tx2"/>
-              </a:buClr>
-              <a:buSzPct val="80000"/>
-              <a:buFont typeface="Wingdings" panose="05000000000000000000" pitchFamily="2" charset="2"/>
-              <a:buChar char="§"/>
-              <a:defRPr>
-                <a:solidFill>
-                  <a:schemeClr val="tx1"/>
-                </a:solidFill>
-                <a:latin typeface="+mn-lt"/>
-              </a:defRPr>
-            </a:lvl6pPr>
-            <a:lvl7pPr marL="2532380" indent="-194945" algn="l" rtl="0" eaLnBrk="1" fontAlgn="base" hangingPunct="1">
-              <a:spcBef>
-                <a:spcPct val="20000"/>
-              </a:spcBef>
-              <a:spcAft>
-                <a:spcPct val="0"/>
-              </a:spcAft>
-              <a:buClr>
-                <a:schemeClr val="tx2"/>
-              </a:buClr>
-              <a:buSzPct val="80000"/>
-              <a:buFont typeface="Wingdings" panose="05000000000000000000" pitchFamily="2" charset="2"/>
-              <a:buChar char="§"/>
-              <a:defRPr>
-                <a:solidFill>
-                  <a:schemeClr val="tx1"/>
-                </a:solidFill>
-                <a:latin typeface="+mn-lt"/>
-              </a:defRPr>
-            </a:lvl7pPr>
-            <a:lvl8pPr marL="2921635" indent="-194945" algn="l" rtl="0" eaLnBrk="1" fontAlgn="base" hangingPunct="1">
-              <a:spcBef>
-                <a:spcPct val="20000"/>
-              </a:spcBef>
-              <a:spcAft>
-                <a:spcPct val="0"/>
-              </a:spcAft>
-              <a:buClr>
-                <a:schemeClr val="tx2"/>
-              </a:buClr>
-              <a:buSzPct val="80000"/>
-              <a:buFont typeface="Wingdings" panose="05000000000000000000" pitchFamily="2" charset="2"/>
-              <a:buChar char="§"/>
-              <a:defRPr>
-                <a:solidFill>
-                  <a:schemeClr val="tx1"/>
-                </a:solidFill>
-                <a:latin typeface="+mn-lt"/>
-              </a:defRPr>
-            </a:lvl8pPr>
-            <a:lvl9pPr marL="3311525" indent="-194945" algn="l" rtl="0" eaLnBrk="1" fontAlgn="base" hangingPunct="1">
-              <a:spcBef>
-                <a:spcPct val="20000"/>
-              </a:spcBef>
-              <a:spcAft>
-                <a:spcPct val="0"/>
-              </a:spcAft>
-              <a:buClr>
-                <a:schemeClr val="tx2"/>
-              </a:buClr>
-              <a:buSzPct val="80000"/>
-              <a:buFont typeface="Wingdings" panose="05000000000000000000" pitchFamily="2" charset="2"/>
-              <a:buChar char="§"/>
-              <a:defRPr>
-                <a:solidFill>
-                  <a:schemeClr val="tx1"/>
-                </a:solidFill>
-                <a:latin typeface="+mn-lt"/>
-              </a:defRPr>
-            </a:lvl9pPr>
-          </a:lstStyle>
-          <a:p>
-            <a:r>
-              <a:rPr kumimoji="1" lang="zh-CN" altLang="en-US" dirty="0"/>
-              <a:t>联邦学习的数据隐私保护策略</a:t>
-            </a:r>
-            <a:endParaRPr kumimoji="1" lang="en-US" altLang="zh-CN" dirty="0"/>
-          </a:p>
-          <a:p>
-            <a:pPr lvl="1"/>
-            <a:r>
-              <a:rPr lang="zh-CN" altLang="en-US" b="1" dirty="0">
-                <a:latin typeface="微软雅黑" panose="020B0503020204020204" pitchFamily="34" charset="-122"/>
-                <a:ea typeface="微软雅黑" panose="020B0503020204020204" pitchFamily="34" charset="-122"/>
-              </a:rPr>
-              <a:t>方案一：差分隐私</a:t>
-            </a:r>
-            <a:endParaRPr lang="en-US" altLang="zh-CN" b="1" dirty="0">
-              <a:latin typeface="微软雅黑" panose="020B0503020204020204" pitchFamily="34" charset="-122"/>
-              <a:ea typeface="微软雅黑" panose="020B0503020204020204" pitchFamily="34" charset="-122"/>
-            </a:endParaRPr>
-          </a:p>
-          <a:p>
-            <a:pPr lvl="2"/>
-            <a:r>
-              <a:rPr lang="zh-CN" altLang="en-US" b="1" dirty="0">
-                <a:latin typeface="微软雅黑" panose="020B0503020204020204" pitchFamily="34" charset="-122"/>
-                <a:ea typeface="微软雅黑" panose="020B0503020204020204" pitchFamily="34" charset="-122"/>
-              </a:rPr>
-              <a:t>添加差分隐私噪声、降低隐私泄露风险</a:t>
-            </a:r>
-            <a:endParaRPr lang="en-US" altLang="zh-CN" b="1" dirty="0">
-              <a:latin typeface="微软雅黑" panose="020B0503020204020204" pitchFamily="34" charset="-122"/>
-              <a:ea typeface="微软雅黑" panose="020B0503020204020204" pitchFamily="34" charset="-122"/>
-            </a:endParaRPr>
-          </a:p>
-          <a:p>
-            <a:pPr lvl="1"/>
-            <a:r>
-              <a:rPr lang="zh-CN" altLang="en-US" b="1" dirty="0">
-                <a:latin typeface="微软雅黑" panose="020B0503020204020204" pitchFamily="34" charset="-122"/>
-                <a:ea typeface="微软雅黑" panose="020B0503020204020204" pitchFamily="34" charset="-122"/>
-              </a:rPr>
-              <a:t>方案二：安全多方计算</a:t>
-            </a:r>
-            <a:endParaRPr lang="en-US" altLang="zh-CN" b="1" dirty="0">
-              <a:latin typeface="微软雅黑" panose="020B0503020204020204" pitchFamily="34" charset="-122"/>
-              <a:ea typeface="微软雅黑" panose="020B0503020204020204" pitchFamily="34" charset="-122"/>
-            </a:endParaRPr>
-          </a:p>
-          <a:p>
-            <a:pPr lvl="2"/>
-            <a:r>
-              <a:rPr kumimoji="1" lang="zh-CN" altLang="en-US" dirty="0"/>
-              <a:t>维持模型性能，提高模型隐私安全性</a:t>
-            </a:r>
-            <a:endParaRPr kumimoji="1" lang="en-US" altLang="zh-CN" dirty="0"/>
-          </a:p>
-          <a:p>
-            <a:pPr lvl="1"/>
-            <a:endParaRPr lang="en-US" altLang="zh-CN" dirty="0"/>
-          </a:p>
-          <a:p>
-            <a:pPr marL="335280" lvl="1" indent="0">
-              <a:buFont typeface="Wingdings" panose="05000000000000000000" pitchFamily="2" charset="2"/>
-              <a:buNone/>
-            </a:pPr>
-            <a:endParaRPr kumimoji="1" lang="en-US" altLang="zh-CN" kern="0" dirty="0"/>
-          </a:p>
-        </p:txBody>
-      </p:sp>
-      <p:pic>
-        <p:nvPicPr>
-          <p:cNvPr id="3" name="图片 2"/>
-          <p:cNvPicPr>
-            <a:picLocks noChangeAspect="1"/>
-          </p:cNvPicPr>
-          <p:nvPr/>
-        </p:nvPicPr>
-        <p:blipFill>
-          <a:blip r:embed="rId1"/>
-          <a:stretch>
-            <a:fillRect/>
-          </a:stretch>
-        </p:blipFill>
-        <p:spPr>
-          <a:xfrm>
-            <a:off x="4823492" y="3631190"/>
-            <a:ext cx="4083695" cy="2454605"/>
-          </a:xfrm>
-          <a:prstGeom prst="rect">
-            <a:avLst/>
-          </a:prstGeom>
-        </p:spPr>
-      </p:pic>
-      <p:sp>
-        <p:nvSpPr>
-          <p:cNvPr id="7" name="矩形 6"/>
-          <p:cNvSpPr/>
-          <p:nvPr/>
-        </p:nvSpPr>
-        <p:spPr>
-          <a:xfrm>
-            <a:off x="4992559" y="6150662"/>
-            <a:ext cx="3795494" cy="319988"/>
-          </a:xfrm>
-          <a:prstGeom prst="rect">
-            <a:avLst/>
-          </a:prstGeom>
-        </p:spPr>
-        <p:txBody>
-          <a:bodyPr wrap="square">
-            <a:spAutoFit/>
-          </a:bodyPr>
-          <a:lstStyle/>
-          <a:p>
-            <a:pPr algn="ctr"/>
-            <a:r>
-              <a:rPr lang="zh-CN" altLang="en-US" sz="1600" b="1" dirty="0">
-                <a:latin typeface="微软雅黑" panose="020B0503020204020204" pitchFamily="34" charset="-122"/>
-                <a:ea typeface="微软雅黑" panose="020B0503020204020204" pitchFamily="34" charset="-122"/>
-              </a:rPr>
-              <a:t>隐私保护方案设计的技术路线</a:t>
-            </a:r>
-            <a:endParaRPr lang="zh-CN" altLang="en-US" sz="1600" b="1" dirty="0">
-              <a:latin typeface="微软雅黑" panose="020B0503020204020204" pitchFamily="34" charset="-122"/>
-              <a:ea typeface="微软雅黑" panose="020B0503020204020204" pitchFamily="34" charset="-122"/>
-            </a:endParaRPr>
-          </a:p>
-        </p:txBody>
-      </p:sp>
-      <p:grpSp>
-        <p:nvGrpSpPr>
-          <p:cNvPr id="6" name="组合 5"/>
-          <p:cNvGrpSpPr/>
-          <p:nvPr/>
-        </p:nvGrpSpPr>
-        <p:grpSpPr>
-          <a:xfrm>
-            <a:off x="5135124" y="1657764"/>
-            <a:ext cx="3772063" cy="727870"/>
-            <a:chOff x="403888" y="5540377"/>
-            <a:chExt cx="5028697" cy="727870"/>
-          </a:xfrm>
-        </p:grpSpPr>
-        <p:sp>
-          <p:nvSpPr>
-            <p:cNvPr id="8" name="星形: 五角 7"/>
-            <p:cNvSpPr/>
-            <p:nvPr/>
-          </p:nvSpPr>
-          <p:spPr>
-            <a:xfrm>
-              <a:off x="403888" y="5540377"/>
-              <a:ext cx="541866" cy="423333"/>
-            </a:xfrm>
-            <a:prstGeom prst="star5">
-              <a:avLst/>
-            </a:prstGeom>
-            <a:solidFill>
-              <a:srgbClr val="FF0000"/>
-            </a:solidFill>
-            <a:ln w="19050">
-              <a:noFill/>
-            </a:ln>
-          </p:spPr>
-          <p:style>
-            <a:lnRef idx="2">
-              <a:schemeClr val="lt1">
-                <a:hueOff val="0"/>
-                <a:satOff val="0"/>
-                <a:lumOff val="0"/>
-                <a:alphaOff val="0"/>
-              </a:schemeClr>
-            </a:lnRef>
-            <a:fillRef idx="1">
-              <a:schemeClr val="accent1">
-                <a:hueOff val="0"/>
-                <a:satOff val="0"/>
-                <a:lumOff val="0"/>
-                <a:alphaOff val="0"/>
-              </a:schemeClr>
-            </a:fillRef>
-            <a:effectRef idx="0">
-              <a:schemeClr val="accent1">
-                <a:hueOff val="0"/>
-                <a:satOff val="0"/>
-                <a:lumOff val="0"/>
-                <a:alphaOff val="0"/>
-              </a:schemeClr>
-            </a:effectRef>
-            <a:fontRef idx="minor">
-              <a:schemeClr val="lt1"/>
-            </a:fontRef>
-          </p:style>
-          <p:txBody>
-            <a:bodyPr spcFirstLastPara="0" vert="horz" wrap="square" lIns="46002" tIns="46002" rIns="46002" bIns="46002" numCol="1" spcCol="1270" rtlCol="0" anchor="ctr" anchorCtr="0">
-              <a:noAutofit/>
-            </a:bodyPr>
-            <a:lstStyle/>
-            <a:p>
-              <a:pPr algn="ctr" defTabSz="1025525">
-                <a:lnSpc>
-                  <a:spcPct val="90000"/>
-                </a:lnSpc>
-                <a:spcAft>
-                  <a:spcPct val="35000"/>
-                </a:spcAft>
-              </a:pPr>
-              <a:endParaRPr kumimoji="1" lang="zh-CN" altLang="en-US" sz="1400" b="1" dirty="0">
-                <a:latin typeface="微软雅黑" panose="020B0503020204020204" pitchFamily="34" charset="-122"/>
-                <a:ea typeface="微软雅黑" panose="020B0503020204020204" pitchFamily="34" charset="-122"/>
-              </a:endParaRPr>
-            </a:p>
-          </p:txBody>
-        </p:sp>
-        <p:sp>
-          <p:nvSpPr>
-            <p:cNvPr id="9" name="文本框 8"/>
-            <p:cNvSpPr txBox="1"/>
-            <p:nvPr/>
-          </p:nvSpPr>
-          <p:spPr>
-            <a:xfrm>
-              <a:off x="878144" y="5621916"/>
-              <a:ext cx="4554441" cy="646331"/>
-            </a:xfrm>
-            <a:prstGeom prst="rect">
-              <a:avLst/>
-            </a:prstGeom>
-            <a:noFill/>
-          </p:spPr>
-          <p:txBody>
-            <a:bodyPr wrap="none" rtlCol="0">
-              <a:spAutoFit/>
-            </a:bodyPr>
-            <a:lstStyle/>
-            <a:p>
-              <a:r>
-                <a:rPr lang="zh-CN" altLang="en-US" b="1" dirty="0">
-                  <a:latin typeface="微软雅黑" panose="020B0503020204020204" pitchFamily="34" charset="-122"/>
-                  <a:ea typeface="微软雅黑" panose="020B0503020204020204" pitchFamily="34" charset="-122"/>
-                </a:rPr>
-                <a:t>难点：隐私保护程度、模型精度</a:t>
-              </a:r>
-              <a:endParaRPr lang="en-US" altLang="zh-CN" b="1" dirty="0">
-                <a:latin typeface="微软雅黑" panose="020B0503020204020204" pitchFamily="34" charset="-122"/>
-                <a:ea typeface="微软雅黑" panose="020B0503020204020204" pitchFamily="34" charset="-122"/>
-              </a:endParaRPr>
-            </a:p>
-            <a:p>
-              <a:r>
-                <a:rPr lang="zh-CN" altLang="en-US" b="1" dirty="0">
-                  <a:latin typeface="微软雅黑" panose="020B0503020204020204" pitchFamily="34" charset="-122"/>
-                  <a:ea typeface="微软雅黑" panose="020B0503020204020204" pitchFamily="34" charset="-122"/>
-                </a:rPr>
-                <a:t>          和通信开销之间的权衡</a:t>
-              </a:r>
-              <a:endParaRPr lang="zh-CN" altLang="en-US" b="1" dirty="0">
-                <a:latin typeface="微软雅黑" panose="020B0503020204020204" pitchFamily="34" charset="-122"/>
-                <a:ea typeface="微软雅黑" panose="020B0503020204020204" pitchFamily="34" charset="-122"/>
-              </a:endParaRPr>
-            </a:p>
-          </p:txBody>
-        </p:sp>
-      </p:grpSp>
-      <p:sp>
-        <p:nvSpPr>
-          <p:cNvPr id="12" name="矩形 11"/>
-          <p:cNvSpPr/>
-          <p:nvPr/>
-        </p:nvSpPr>
-        <p:spPr>
-          <a:xfrm>
-            <a:off x="1151335" y="6128532"/>
-            <a:ext cx="2858347" cy="338554"/>
-          </a:xfrm>
-          <a:prstGeom prst="rect">
-            <a:avLst/>
-          </a:prstGeom>
-        </p:spPr>
-        <p:txBody>
-          <a:bodyPr wrap="square">
-            <a:spAutoFit/>
-          </a:bodyPr>
-          <a:lstStyle/>
-          <a:p>
-            <a:pPr algn="ctr"/>
-            <a:r>
-              <a:rPr lang="zh-CN" altLang="en-US" sz="1600" b="1" dirty="0">
-                <a:latin typeface="微软雅黑" panose="020B0503020204020204" pitchFamily="34" charset="-122"/>
-                <a:ea typeface="微软雅黑" panose="020B0503020204020204" pitchFamily="34" charset="-122"/>
-              </a:rPr>
-              <a:t>联邦学习架构遭受</a:t>
-            </a:r>
-            <a:r>
-              <a:rPr lang="en-US" altLang="zh-CN" sz="1600" b="1" dirty="0">
-                <a:latin typeface="微软雅黑" panose="020B0503020204020204" pitchFamily="34" charset="-122"/>
-                <a:ea typeface="微软雅黑" panose="020B0503020204020204" pitchFamily="34" charset="-122"/>
-              </a:rPr>
-              <a:t>DLG</a:t>
-            </a:r>
-            <a:r>
-              <a:rPr lang="zh-CN" altLang="en-US" sz="1600" b="1" dirty="0">
-                <a:latin typeface="微软雅黑" panose="020B0503020204020204" pitchFamily="34" charset="-122"/>
-                <a:ea typeface="微软雅黑" panose="020B0503020204020204" pitchFamily="34" charset="-122"/>
-              </a:rPr>
-              <a:t>攻击</a:t>
-            </a:r>
-            <a:endParaRPr lang="zh-CN" altLang="en-US" sz="1600" b="1" dirty="0">
-              <a:latin typeface="微软雅黑" panose="020B0503020204020204" pitchFamily="34" charset="-122"/>
-              <a:ea typeface="微软雅黑" panose="020B0503020204020204" pitchFamily="34" charset="-122"/>
-            </a:endParaRPr>
-          </a:p>
-        </p:txBody>
-      </p:sp>
-      <p:pic>
-        <p:nvPicPr>
-          <p:cNvPr id="13" name="图片 12"/>
-          <p:cNvPicPr>
-            <a:picLocks noChangeAspect="1"/>
-          </p:cNvPicPr>
-          <p:nvPr/>
-        </p:nvPicPr>
-        <p:blipFill>
-          <a:blip r:embed="rId2"/>
-          <a:stretch>
-            <a:fillRect/>
-          </a:stretch>
-        </p:blipFill>
-        <p:spPr>
-          <a:xfrm>
-            <a:off x="696442" y="3586442"/>
-            <a:ext cx="3768132" cy="2542090"/>
-          </a:xfrm>
-          <a:prstGeom prst="rect">
-            <a:avLst/>
-          </a:prstGeom>
-        </p:spPr>
-      </p:pic>
     </p:spTree>
   </p:cSld>
   <p:clrMapOvr>
@@ -14092,7 +11389,7 @@
         <p:spPr>
           <a:xfrm>
             <a:off x="1241836" y="5018898"/>
-            <a:ext cx="3233376" cy="338554"/>
+            <a:ext cx="3233376" cy="337185"/>
           </a:xfrm>
           <a:prstGeom prst="rect">
             <a:avLst/>
@@ -14111,20 +11408,6 @@
                 <a:ea typeface="微软雅黑" panose="020B0503020204020204" pitchFamily="34" charset="-122"/>
               </a:rPr>
               <a:t>ICCAD</a:t>
-            </a:r>
-            <a:r>
-              <a:rPr lang="zh-CN" altLang="en-US" sz="1600" b="1" dirty="0">
-                <a:latin typeface="微软雅黑" panose="020B0503020204020204" pitchFamily="34" charset="-122"/>
-                <a:ea typeface="微软雅黑" panose="020B0503020204020204" pitchFamily="34" charset="-122"/>
-              </a:rPr>
-              <a:t>和</a:t>
-            </a:r>
-            <a:r>
-              <a:rPr lang="en-US" altLang="zh-CN" sz="1600" b="1" dirty="0">
-                <a:latin typeface="微软雅黑" panose="020B0503020204020204" pitchFamily="34" charset="-122"/>
-                <a:ea typeface="微软雅黑" panose="020B0503020204020204" pitchFamily="34" charset="-122"/>
-              </a:rPr>
-              <a:t>Industry</a:t>
             </a:r>
             <a:r>
               <a:rPr lang="zh-CN" altLang="en-US" sz="1600" b="1" dirty="0">
@@ -14202,7 +11485,7 @@
       </p:sp>
       <p:pic>
         <p:nvPicPr>
-          <p:cNvPr id="7" name="图片 6"/>
+          <p:cNvPr id="9" name="图片 8"/>
           <p:cNvPicPr>
             <a:picLocks noChangeAspect="1"/>
           </p:cNvPicPr>
@@ -14210,30 +11493,6 @@
         </p:nvPicPr>
         <p:blipFill>
           <a:blip r:embed="rId1"/>
-          <a:stretch>
-            <a:fillRect/>
-          </a:stretch>
-        </p:blipFill>
-        <p:spPr>
-          <a:xfrm>
-            <a:off x="534795" y="2461155"/>
-            <a:ext cx="4647459" cy="2363910"/>
-          </a:xfrm>
-          <a:prstGeom prst="rect">
-            <a:avLst/>
-          </a:prstGeom>
-        </p:spPr>
-      </p:pic>
-      <p:pic>
-        <p:nvPicPr>
-          <p:cNvPr id="9" name="图片 8"/>
-          <p:cNvPicPr>
-            <a:picLocks noChangeAspect="1"/>
-          </p:cNvPicPr>
-          <p:nvPr/>
-        </p:nvPicPr>
-        <p:blipFill>
-          <a:blip r:embed="rId2"/>
           <a:stretch>
             <a:fillRect/>
           </a:stretch>
@@ -14293,7 +11552,7 @@
         <p:spPr>
           <a:xfrm>
             <a:off x="442647" y="5746121"/>
-            <a:ext cx="8419997" cy="584775"/>
+            <a:ext cx="7880350" cy="583565"/>
           </a:xfrm>
           <a:prstGeom prst="rect">
             <a:avLst/>
@@ -14362,7 +11621,7 @@
                 <a:latin typeface="微软雅黑" panose="020B0503020204020204" pitchFamily="34" charset="-122"/>
                 <a:ea typeface="微软雅黑" panose="020B0503020204020204" pitchFamily="34" charset="-122"/>
               </a:rPr>
-              <a:t>Industry</a:t>
+              <a:t>工业</a:t>
             </a:r>
             <a:r>
               <a:rPr lang="zh-CN" altLang="en-US" sz="1600" b="1" dirty="0">
@@ -14420,6 +11679,30 @@
           </a:p>
         </p:txBody>
       </p:sp>
+      <p:pic>
+        <p:nvPicPr>
+          <p:cNvPr id="5" name="图片 4"/>
+          <p:cNvPicPr>
+            <a:picLocks noChangeAspect="1"/>
+          </p:cNvPicPr>
+          <p:nvPr/>
+        </p:nvPicPr>
+        <p:blipFill>
+          <a:blip r:embed="rId2"/>
+          <a:stretch>
+            <a:fillRect/>
+          </a:stretch>
+        </p:blipFill>
+        <p:spPr>
+          <a:xfrm>
+            <a:off x="159385" y="2449195"/>
+            <a:ext cx="5191125" cy="2333625"/>
+          </a:xfrm>
+          <a:prstGeom prst="rect">
+            <a:avLst/>
+          </a:prstGeom>
+        </p:spPr>
+      </p:pic>
     </p:spTree>
   </p:cSld>
   <p:clrMapOvr>
@@ -14839,7 +12122,7 @@
           <a:graphicData uri="http://schemas.openxmlformats.org/presentationml/2006/ole">
             <mc:AlternateContent xmlns:mc="http://schemas.openxmlformats.org/markup-compatibility/2006">
               <mc:Choice xmlns:v="urn:schemas-microsoft-com:vml" Requires="v">
-                <p:oleObj spid="_x0000_s7" name="AxMath" r:id="rId1" imgW="1143000" imgH="1143000" progId="Equation.AxMath">
+                <p:oleObj spid="_x0000_s12" name="AxMath" r:id="rId1" imgW="1143000" imgH="1143000" progId="Equation.AxMath">
                   <p:embed/>
                 </p:oleObj>
               </mc:Choice>
@@ -14923,7 +12206,7 @@
           <a:graphicData uri="http://schemas.openxmlformats.org/presentationml/2006/ole">
             <mc:AlternateContent xmlns:mc="http://schemas.openxmlformats.org/markup-compatibility/2006">
               <mc:Choice xmlns:v="urn:schemas-microsoft-com:vml" Requires="v">
-                <p:oleObj spid="_x0000_s9" name="AxMath" r:id="rId3" imgW="1143000" imgH="1143000" progId="Equation.AxMath">
+                <p:oleObj spid="_x0000_s7" name="AxMath" r:id="rId3" imgW="1143000" imgH="1143000" progId="Equation.AxMath">
                   <p:embed/>
                 </p:oleObj>
               </mc:Choice>
@@ -15162,7 +12445,7 @@
           <a:graphicData uri="http://schemas.openxmlformats.org/presentationml/2006/ole">
             <mc:AlternateContent xmlns:mc="http://schemas.openxmlformats.org/markup-compatibility/2006">
               <mc:Choice xmlns:v="urn:schemas-microsoft-com:vml" Requires="v">
-                <p:oleObj spid="_x0000_s11" name="AxMath" r:id="rId5" imgW="1143000" imgH="1143000" progId="Equation.AxMath">
+                <p:oleObj spid="_x0000_s9" name="AxMath" r:id="rId5" imgW="1143000" imgH="1143000" progId="Equation.AxMath">
                   <p:embed/>
                 </p:oleObj>
               </mc:Choice>
@@ -15217,7 +12500,7 @@
           <a:graphicData uri="http://schemas.openxmlformats.org/presentationml/2006/ole">
             <mc:AlternateContent xmlns:mc="http://schemas.openxmlformats.org/markup-compatibility/2006">
               <mc:Choice xmlns:v="urn:schemas-microsoft-com:vml" Requires="v">
-                <p:oleObj spid="_x0000_s12" name="AxMath" r:id="rId7" imgW="1143000" imgH="1143000" progId="Equation.AxMath">
+                <p:oleObj spid="_x0000_s11" name="AxMath" r:id="rId7" imgW="1143000" imgH="1143000" progId="Equation.AxMath">
                   <p:embed/>
                 </p:oleObj>
               </mc:Choice>
@@ -15428,7 +12711,7 @@
 
 <file path=ppt/tags/tag1.xml><?xml version="1.0" encoding="utf-8"?>
 <p:tagLst xmlns:p="http://schemas.openxmlformats.org/presentationml/2006/main">
-  <p:tag name="commondata" val="eyJoZGlkIjoiNjE3YjVjMDEwNTQ0NmI5ZjRhNTYzZDdiMjBiNTk3OTQifQ=="/>
+  <p:tag name="COMMONDATA" val="eyJoZGlkIjoiNjE3YjVjMDEwNTQ0NmI5ZjRhNTYzZDdiMjBiNTk3OTQifQ=="/>
 </p:tagLst>
 </file>
 
